--- a/fileFormat.pptx
+++ b/fileFormat.pptx
@@ -112,6 +112,11 @@
       </a:defRPr>
     </a:lvl9pPr>
   </p:defaultTextStyle>
+  <p:extLst>
+    <p:ext uri="{EFAFB233-063F-42B5-8137-9DF3F51BA10A}">
+      <p15:sldGuideLst xmlns:p15="http://schemas.microsoft.com/office/powerpoint/2012/main"/>
+    </p:ext>
+  </p:extLst>
 </p:presentation>
 </file>
 
@@ -5054,7 +5059,7 @@
         <p:spPr>
           <a:xfrm>
             <a:off x="3240352" y="236225"/>
-            <a:ext cx="3005951" cy="400110"/>
+            <a:ext cx="8305479" cy="400110"/>
           </a:xfrm>
           <a:prstGeom prst="rect">
             <a:avLst/>
@@ -5069,7 +5074,19 @@
           <a:p>
             <a:r>
               <a:rPr lang="ja-JP" altLang="en-US" sz="2000" b="1" dirty="0"/>
-              <a:t>可視化するとこんな感じ</a:t>
+              <a:t>開くとこんな感じ   </a:t>
+            </a:r>
+            <a:r>
+              <a:rPr lang="en-US" altLang="ja-JP" sz="2000" b="1" dirty="0"/>
+              <a:t>(</a:t>
+            </a:r>
+            <a:r>
+              <a:rPr lang="ja-JP" altLang="en-US" sz="2000" b="1" dirty="0"/>
+              <a:t>データは患者の大腿部医用画像から作成したもの</a:t>
+            </a:r>
+            <a:r>
+              <a:rPr lang="en-US" altLang="ja-JP" sz="2000" b="1" dirty="0"/>
+              <a:t>)</a:t>
             </a:r>
             <a:endParaRPr kumimoji="1" lang="ja-JP" altLang="en-US" sz="2000" b="1" dirty="0"/>
           </a:p>
@@ -5711,6 +5728,58 @@
           </a:prstGeom>
         </p:spPr>
       </p:pic>
+      <p:sp>
+        <p:nvSpPr>
+          <p:cNvPr id="3" name="楕円 2">
+            <a:extLst>
+              <a:ext uri="{FF2B5EF4-FFF2-40B4-BE49-F238E27FC236}">
+                <a16:creationId xmlns:a16="http://schemas.microsoft.com/office/drawing/2014/main" id="{B53D1102-D359-92BA-CA72-7C551ACE75A9}"/>
+              </a:ext>
+            </a:extLst>
+          </p:cNvPr>
+          <p:cNvSpPr/>
+          <p:nvPr/>
+        </p:nvSpPr>
+        <p:spPr>
+          <a:xfrm>
+            <a:off x="9969910" y="6430297"/>
+            <a:ext cx="1543664" cy="299883"/>
+          </a:xfrm>
+          <a:prstGeom prst="ellipse">
+            <a:avLst/>
+          </a:prstGeom>
+          <a:noFill/>
+          <a:ln>
+            <a:solidFill>
+              <a:srgbClr val="FF0000"/>
+            </a:solidFill>
+          </a:ln>
+        </p:spPr>
+        <p:style>
+          <a:lnRef idx="2">
+            <a:schemeClr val="accent1">
+              <a:shade val="15000"/>
+            </a:schemeClr>
+          </a:lnRef>
+          <a:fillRef idx="1">
+            <a:schemeClr val="accent1"/>
+          </a:fillRef>
+          <a:effectRef idx="0">
+            <a:schemeClr val="accent1"/>
+          </a:effectRef>
+          <a:fontRef idx="minor">
+            <a:schemeClr val="lt1"/>
+          </a:fontRef>
+        </p:style>
+        <p:txBody>
+          <a:bodyPr rtlCol="0" anchor="ctr"/>
+          <a:lstStyle/>
+          <a:p>
+            <a:pPr algn="ctr"/>
+            <a:endParaRPr kumimoji="1" lang="ja-JP" altLang="en-US"/>
+          </a:p>
+        </p:txBody>
+      </p:sp>
     </p:spTree>
     <p:extLst>
       <p:ext uri="{BB962C8B-B14F-4D97-AF65-F5344CB8AC3E}">

--- a/fileFormat.pptx
+++ b/fileFormat.pptx
@@ -4,6 +4,9 @@
   <p:sldMasterIdLst>
     <p:sldMasterId id="2147483648" r:id="rId1"/>
   </p:sldMasterIdLst>
+  <p:notesMasterIdLst>
+    <p:notesMasterId r:id="rId11"/>
+  </p:notesMasterIdLst>
   <p:sldIdLst>
     <p:sldId id="256" r:id="rId2"/>
     <p:sldId id="257" r:id="rId3"/>
@@ -13,7 +16,7 @@
     <p:sldId id="260" r:id="rId7"/>
     <p:sldId id="262" r:id="rId8"/>
     <p:sldId id="263" r:id="rId9"/>
-    <p:sldId id="264" r:id="rId10"/>
+    <p:sldId id="266" r:id="rId10"/>
   </p:sldIdLst>
   <p:sldSz cx="12192000" cy="6858000"/>
   <p:notesSz cx="6858000" cy="9144000"/>
@@ -120,6 +123,387 @@
 </p:presentation>
 </file>
 
+<file path=ppt/notesMasters/notesMaster1.xml><?xml version="1.0" encoding="utf-8"?>
+<p:notesMaster xmlns:a="http://schemas.openxmlformats.org/drawingml/2006/main" xmlns:r="http://schemas.openxmlformats.org/officeDocument/2006/relationships" xmlns:p="http://schemas.openxmlformats.org/presentationml/2006/main">
+  <p:cSld>
+    <p:bg>
+      <p:bgRef idx="1001">
+        <a:schemeClr val="bg1"/>
+      </p:bgRef>
+    </p:bg>
+    <p:spTree>
+      <p:nvGrpSpPr>
+        <p:cNvPr id="1" name=""/>
+        <p:cNvGrpSpPr/>
+        <p:nvPr/>
+      </p:nvGrpSpPr>
+      <p:grpSpPr>
+        <a:xfrm>
+          <a:off x="0" y="0"/>
+          <a:ext cx="0" cy="0"/>
+          <a:chOff x="0" y="0"/>
+          <a:chExt cx="0" cy="0"/>
+        </a:xfrm>
+      </p:grpSpPr>
+      <p:sp>
+        <p:nvSpPr>
+          <p:cNvPr id="2" name="ヘッダー プレースホルダー 1"/>
+          <p:cNvSpPr>
+            <a:spLocks noGrp="1"/>
+          </p:cNvSpPr>
+          <p:nvPr>
+            <p:ph type="hdr" sz="quarter"/>
+          </p:nvPr>
+        </p:nvSpPr>
+        <p:spPr>
+          <a:xfrm>
+            <a:off x="0" y="0"/>
+            <a:ext cx="2971800" cy="458788"/>
+          </a:xfrm>
+          <a:prstGeom prst="rect">
+            <a:avLst/>
+          </a:prstGeom>
+        </p:spPr>
+        <p:txBody>
+          <a:bodyPr vert="horz" lIns="91440" tIns="45720" rIns="91440" bIns="45720" rtlCol="0"/>
+          <a:lstStyle>
+            <a:lvl1pPr algn="l">
+              <a:defRPr sz="1200"/>
+            </a:lvl1pPr>
+          </a:lstStyle>
+          <a:p>
+            <a:endParaRPr kumimoji="1" lang="ja-JP" altLang="en-US"/>
+          </a:p>
+        </p:txBody>
+      </p:sp>
+      <p:sp>
+        <p:nvSpPr>
+          <p:cNvPr id="3" name="日付プレースホルダー 2"/>
+          <p:cNvSpPr>
+            <a:spLocks noGrp="1"/>
+          </p:cNvSpPr>
+          <p:nvPr>
+            <p:ph type="dt" idx="1"/>
+          </p:nvPr>
+        </p:nvSpPr>
+        <p:spPr>
+          <a:xfrm>
+            <a:off x="3884613" y="0"/>
+            <a:ext cx="2971800" cy="458788"/>
+          </a:xfrm>
+          <a:prstGeom prst="rect">
+            <a:avLst/>
+          </a:prstGeom>
+        </p:spPr>
+        <p:txBody>
+          <a:bodyPr vert="horz" lIns="91440" tIns="45720" rIns="91440" bIns="45720" rtlCol="0"/>
+          <a:lstStyle>
+            <a:lvl1pPr algn="r">
+              <a:defRPr sz="1200"/>
+            </a:lvl1pPr>
+          </a:lstStyle>
+          <a:p>
+            <a:fld id="{EC463B3F-55A9-4C64-B642-26A58BB17889}" type="datetimeFigureOut">
+              <a:rPr kumimoji="1" lang="ja-JP" altLang="en-US" smtClean="0"/>
+              <a:t>2024/12/5</a:t>
+            </a:fld>
+            <a:endParaRPr kumimoji="1" lang="ja-JP" altLang="en-US"/>
+          </a:p>
+        </p:txBody>
+      </p:sp>
+      <p:sp>
+        <p:nvSpPr>
+          <p:cNvPr id="4" name="スライド イメージ プレースホルダー 3"/>
+          <p:cNvSpPr>
+            <a:spLocks noGrp="1" noRot="1" noChangeAspect="1"/>
+          </p:cNvSpPr>
+          <p:nvPr>
+            <p:ph type="sldImg" idx="2"/>
+          </p:nvPr>
+        </p:nvSpPr>
+        <p:spPr>
+          <a:xfrm>
+            <a:off x="685800" y="1143000"/>
+            <a:ext cx="5486400" cy="3086100"/>
+          </a:xfrm>
+          <a:prstGeom prst="rect">
+            <a:avLst/>
+          </a:prstGeom>
+          <a:noFill/>
+          <a:ln w="12700">
+            <a:solidFill>
+              <a:prstClr val="black"/>
+            </a:solidFill>
+          </a:ln>
+        </p:spPr>
+        <p:txBody>
+          <a:bodyPr vert="horz" lIns="91440" tIns="45720" rIns="91440" bIns="45720" rtlCol="0" anchor="ctr"/>
+          <a:lstStyle/>
+          <a:p>
+            <a:endParaRPr lang="ja-JP" altLang="en-US"/>
+          </a:p>
+        </p:txBody>
+      </p:sp>
+      <p:sp>
+        <p:nvSpPr>
+          <p:cNvPr id="5" name="ノート プレースホルダー 4"/>
+          <p:cNvSpPr>
+            <a:spLocks noGrp="1"/>
+          </p:cNvSpPr>
+          <p:nvPr>
+            <p:ph type="body" sz="quarter" idx="3"/>
+          </p:nvPr>
+        </p:nvSpPr>
+        <p:spPr>
+          <a:xfrm>
+            <a:off x="685800" y="4400550"/>
+            <a:ext cx="5486400" cy="3600450"/>
+          </a:xfrm>
+          <a:prstGeom prst="rect">
+            <a:avLst/>
+          </a:prstGeom>
+        </p:spPr>
+        <p:txBody>
+          <a:bodyPr vert="horz" lIns="91440" tIns="45720" rIns="91440" bIns="45720" rtlCol="0"/>
+          <a:lstStyle/>
+          <a:p>
+            <a:pPr lvl="0"/>
+            <a:r>
+              <a:rPr kumimoji="1" lang="ja-JP" altLang="en-US"/>
+              <a:t>マスター テキストの書式設定</a:t>
+            </a:r>
+          </a:p>
+          <a:p>
+            <a:pPr lvl="1"/>
+            <a:r>
+              <a:rPr kumimoji="1" lang="ja-JP" altLang="en-US"/>
+              <a:t>第 </a:t>
+            </a:r>
+            <a:r>
+              <a:rPr kumimoji="1" lang="en-US" altLang="ja-JP"/>
+              <a:t>2 </a:t>
+            </a:r>
+            <a:r>
+              <a:rPr kumimoji="1" lang="ja-JP" altLang="en-US"/>
+              <a:t>レベル</a:t>
+            </a:r>
+          </a:p>
+          <a:p>
+            <a:pPr lvl="2"/>
+            <a:r>
+              <a:rPr kumimoji="1" lang="ja-JP" altLang="en-US"/>
+              <a:t>第 </a:t>
+            </a:r>
+            <a:r>
+              <a:rPr kumimoji="1" lang="en-US" altLang="ja-JP"/>
+              <a:t>3 </a:t>
+            </a:r>
+            <a:r>
+              <a:rPr kumimoji="1" lang="ja-JP" altLang="en-US"/>
+              <a:t>レベル</a:t>
+            </a:r>
+          </a:p>
+          <a:p>
+            <a:pPr lvl="3"/>
+            <a:r>
+              <a:rPr kumimoji="1" lang="ja-JP" altLang="en-US"/>
+              <a:t>第 </a:t>
+            </a:r>
+            <a:r>
+              <a:rPr kumimoji="1" lang="en-US" altLang="ja-JP"/>
+              <a:t>4 </a:t>
+            </a:r>
+            <a:r>
+              <a:rPr kumimoji="1" lang="ja-JP" altLang="en-US"/>
+              <a:t>レベル</a:t>
+            </a:r>
+          </a:p>
+          <a:p>
+            <a:pPr lvl="4"/>
+            <a:r>
+              <a:rPr kumimoji="1" lang="ja-JP" altLang="en-US"/>
+              <a:t>第 </a:t>
+            </a:r>
+            <a:r>
+              <a:rPr kumimoji="1" lang="en-US" altLang="ja-JP"/>
+              <a:t>5 </a:t>
+            </a:r>
+            <a:r>
+              <a:rPr kumimoji="1" lang="ja-JP" altLang="en-US"/>
+              <a:t>レベル</a:t>
+            </a:r>
+          </a:p>
+        </p:txBody>
+      </p:sp>
+      <p:sp>
+        <p:nvSpPr>
+          <p:cNvPr id="6" name="フッター プレースホルダー 5"/>
+          <p:cNvSpPr>
+            <a:spLocks noGrp="1"/>
+          </p:cNvSpPr>
+          <p:nvPr>
+            <p:ph type="ftr" sz="quarter" idx="4"/>
+          </p:nvPr>
+        </p:nvSpPr>
+        <p:spPr>
+          <a:xfrm>
+            <a:off x="0" y="8685213"/>
+            <a:ext cx="2971800" cy="458787"/>
+          </a:xfrm>
+          <a:prstGeom prst="rect">
+            <a:avLst/>
+          </a:prstGeom>
+        </p:spPr>
+        <p:txBody>
+          <a:bodyPr vert="horz" lIns="91440" tIns="45720" rIns="91440" bIns="45720" rtlCol="0" anchor="b"/>
+          <a:lstStyle>
+            <a:lvl1pPr algn="l">
+              <a:defRPr sz="1200"/>
+            </a:lvl1pPr>
+          </a:lstStyle>
+          <a:p>
+            <a:endParaRPr kumimoji="1" lang="ja-JP" altLang="en-US"/>
+          </a:p>
+        </p:txBody>
+      </p:sp>
+      <p:sp>
+        <p:nvSpPr>
+          <p:cNvPr id="7" name="スライド番号プレースホルダー 6"/>
+          <p:cNvSpPr>
+            <a:spLocks noGrp="1"/>
+          </p:cNvSpPr>
+          <p:nvPr>
+            <p:ph type="sldNum" sz="quarter" idx="5"/>
+          </p:nvPr>
+        </p:nvSpPr>
+        <p:spPr>
+          <a:xfrm>
+            <a:off x="3884613" y="8685213"/>
+            <a:ext cx="2971800" cy="458787"/>
+          </a:xfrm>
+          <a:prstGeom prst="rect">
+            <a:avLst/>
+          </a:prstGeom>
+        </p:spPr>
+        <p:txBody>
+          <a:bodyPr vert="horz" lIns="91440" tIns="45720" rIns="91440" bIns="45720" rtlCol="0" anchor="b"/>
+          <a:lstStyle>
+            <a:lvl1pPr algn="r">
+              <a:defRPr sz="1200"/>
+            </a:lvl1pPr>
+          </a:lstStyle>
+          <a:p>
+            <a:fld id="{C8598E96-83B3-40DE-8039-94C09E069D0B}" type="slidenum">
+              <a:rPr kumimoji="1" lang="ja-JP" altLang="en-US" smtClean="0"/>
+              <a:t>‹#›</a:t>
+            </a:fld>
+            <a:endParaRPr kumimoji="1" lang="ja-JP" altLang="en-US"/>
+          </a:p>
+        </p:txBody>
+      </p:sp>
+    </p:spTree>
+    <p:extLst>
+      <p:ext uri="{BB962C8B-B14F-4D97-AF65-F5344CB8AC3E}">
+        <p14:creationId xmlns:p14="http://schemas.microsoft.com/office/powerpoint/2010/main" val="924876519"/>
+      </p:ext>
+    </p:extLst>
+  </p:cSld>
+  <p:clrMap bg1="lt1" tx1="dk1" bg2="lt2" tx2="dk2" accent1="accent1" accent2="accent2" accent3="accent3" accent4="accent4" accent5="accent5" accent6="accent6" hlink="hlink" folHlink="folHlink"/>
+  <p:notesStyle>
+    <a:lvl1pPr marL="0" algn="l" defTabSz="914400" rtl="0" eaLnBrk="1" latinLnBrk="0" hangingPunct="1">
+      <a:defRPr kumimoji="1" sz="1200" kern="1200">
+        <a:solidFill>
+          <a:schemeClr val="tx1"/>
+        </a:solidFill>
+        <a:latin typeface="+mn-lt"/>
+        <a:ea typeface="+mn-ea"/>
+        <a:cs typeface="+mn-cs"/>
+      </a:defRPr>
+    </a:lvl1pPr>
+    <a:lvl2pPr marL="457200" algn="l" defTabSz="914400" rtl="0" eaLnBrk="1" latinLnBrk="0" hangingPunct="1">
+      <a:defRPr kumimoji="1" sz="1200" kern="1200">
+        <a:solidFill>
+          <a:schemeClr val="tx1"/>
+        </a:solidFill>
+        <a:latin typeface="+mn-lt"/>
+        <a:ea typeface="+mn-ea"/>
+        <a:cs typeface="+mn-cs"/>
+      </a:defRPr>
+    </a:lvl2pPr>
+    <a:lvl3pPr marL="914400" algn="l" defTabSz="914400" rtl="0" eaLnBrk="1" latinLnBrk="0" hangingPunct="1">
+      <a:defRPr kumimoji="1" sz="1200" kern="1200">
+        <a:solidFill>
+          <a:schemeClr val="tx1"/>
+        </a:solidFill>
+        <a:latin typeface="+mn-lt"/>
+        <a:ea typeface="+mn-ea"/>
+        <a:cs typeface="+mn-cs"/>
+      </a:defRPr>
+    </a:lvl3pPr>
+    <a:lvl4pPr marL="1371600" algn="l" defTabSz="914400" rtl="0" eaLnBrk="1" latinLnBrk="0" hangingPunct="1">
+      <a:defRPr kumimoji="1" sz="1200" kern="1200">
+        <a:solidFill>
+          <a:schemeClr val="tx1"/>
+        </a:solidFill>
+        <a:latin typeface="+mn-lt"/>
+        <a:ea typeface="+mn-ea"/>
+        <a:cs typeface="+mn-cs"/>
+      </a:defRPr>
+    </a:lvl4pPr>
+    <a:lvl5pPr marL="1828800" algn="l" defTabSz="914400" rtl="0" eaLnBrk="1" latinLnBrk="0" hangingPunct="1">
+      <a:defRPr kumimoji="1" sz="1200" kern="1200">
+        <a:solidFill>
+          <a:schemeClr val="tx1"/>
+        </a:solidFill>
+        <a:latin typeface="+mn-lt"/>
+        <a:ea typeface="+mn-ea"/>
+        <a:cs typeface="+mn-cs"/>
+      </a:defRPr>
+    </a:lvl5pPr>
+    <a:lvl6pPr marL="2286000" algn="l" defTabSz="914400" rtl="0" eaLnBrk="1" latinLnBrk="0" hangingPunct="1">
+      <a:defRPr kumimoji="1" sz="1200" kern="1200">
+        <a:solidFill>
+          <a:schemeClr val="tx1"/>
+        </a:solidFill>
+        <a:latin typeface="+mn-lt"/>
+        <a:ea typeface="+mn-ea"/>
+        <a:cs typeface="+mn-cs"/>
+      </a:defRPr>
+    </a:lvl6pPr>
+    <a:lvl7pPr marL="2743200" algn="l" defTabSz="914400" rtl="0" eaLnBrk="1" latinLnBrk="0" hangingPunct="1">
+      <a:defRPr kumimoji="1" sz="1200" kern="1200">
+        <a:solidFill>
+          <a:schemeClr val="tx1"/>
+        </a:solidFill>
+        <a:latin typeface="+mn-lt"/>
+        <a:ea typeface="+mn-ea"/>
+        <a:cs typeface="+mn-cs"/>
+      </a:defRPr>
+    </a:lvl7pPr>
+    <a:lvl8pPr marL="3200400" algn="l" defTabSz="914400" rtl="0" eaLnBrk="1" latinLnBrk="0" hangingPunct="1">
+      <a:defRPr kumimoji="1" sz="1200" kern="1200">
+        <a:solidFill>
+          <a:schemeClr val="tx1"/>
+        </a:solidFill>
+        <a:latin typeface="+mn-lt"/>
+        <a:ea typeface="+mn-ea"/>
+        <a:cs typeface="+mn-cs"/>
+      </a:defRPr>
+    </a:lvl8pPr>
+    <a:lvl9pPr marL="3657600" algn="l" defTabSz="914400" rtl="0" eaLnBrk="1" latinLnBrk="0" hangingPunct="1">
+      <a:defRPr kumimoji="1" sz="1200" kern="1200">
+        <a:solidFill>
+          <a:schemeClr val="tx1"/>
+        </a:solidFill>
+        <a:latin typeface="+mn-lt"/>
+        <a:ea typeface="+mn-ea"/>
+        <a:cs typeface="+mn-cs"/>
+      </a:defRPr>
+    </a:lvl9pPr>
+  </p:notesStyle>
+</p:notesMaster>
+</file>
+
 <file path=ppt/slideLayouts/slideLayout1.xml><?xml version="1.0" encoding="utf-8"?>
 <p:sldLayout xmlns:a="http://schemas.openxmlformats.org/drawingml/2006/main" xmlns:r="http://schemas.openxmlformats.org/officeDocument/2006/relationships" xmlns:p="http://schemas.openxmlformats.org/presentationml/2006/main" type="title" preserve="1">
   <p:cSld name="タイトル スライド">
@@ -265,9 +649,9 @@
           <a:bodyPr/>
           <a:lstStyle/>
           <a:p>
-            <a:fld id="{E56ECB4B-B719-4F2B-9D42-605D1D7C46D9}" type="datetimeFigureOut">
+            <a:fld id="{FD303846-BBED-49D9-8D05-3E9E8DDE7CBA}" type="datetime1">
               <a:rPr kumimoji="1" lang="ja-JP" altLang="en-US" smtClean="0"/>
-              <a:t>2024/12/1</a:t>
+              <a:t>2024/12/5</a:t>
             </a:fld>
             <a:endParaRPr kumimoji="1" lang="ja-JP" altLang="en-US"/>
           </a:p>
@@ -314,7 +698,12 @@
             <p:ph type="sldNum" sz="quarter" idx="12"/>
           </p:nvPr>
         </p:nvSpPr>
-        <p:spPr/>
+        <p:spPr>
+          <a:xfrm>
+            <a:off x="8610600" y="6367318"/>
+            <a:ext cx="2743200" cy="365125"/>
+          </a:xfrm>
+        </p:spPr>
         <p:txBody>
           <a:bodyPr/>
           <a:lstStyle/>
@@ -495,9 +884,9 @@
           <a:bodyPr/>
           <a:lstStyle/>
           <a:p>
-            <a:fld id="{E56ECB4B-B719-4F2B-9D42-605D1D7C46D9}" type="datetimeFigureOut">
+            <a:fld id="{72D61A81-F7EC-4C2B-8152-89BBFC4508BA}" type="datetime1">
               <a:rPr kumimoji="1" lang="ja-JP" altLang="en-US" smtClean="0"/>
-              <a:t>2024/12/1</a:t>
+              <a:t>2024/12/5</a:t>
             </a:fld>
             <a:endParaRPr kumimoji="1" lang="ja-JP" altLang="en-US"/>
           </a:p>
@@ -735,9 +1124,9 @@
           <a:bodyPr/>
           <a:lstStyle/>
           <a:p>
-            <a:fld id="{E56ECB4B-B719-4F2B-9D42-605D1D7C46D9}" type="datetimeFigureOut">
+            <a:fld id="{DDDAD9A8-680C-4DE3-9583-7E6299D48239}" type="datetime1">
               <a:rPr kumimoji="1" lang="ja-JP" altLang="en-US" smtClean="0"/>
-              <a:t>2024/12/1</a:t>
+              <a:t>2024/12/5</a:t>
             </a:fld>
             <a:endParaRPr kumimoji="1" lang="ja-JP" altLang="en-US"/>
           </a:p>
@@ -960,70 +1349,90 @@
             <p:ph type="dt" sz="half" idx="10"/>
           </p:nvPr>
         </p:nvSpPr>
+        <p:spPr>
+          <a:xfrm>
+            <a:off x="0" y="6474620"/>
+            <a:ext cx="2743200" cy="365125"/>
+          </a:xfrm>
+        </p:spPr>
+        <p:txBody>
+          <a:bodyPr/>
+          <a:lstStyle>
+            <a:lvl1pPr>
+              <a:defRPr sz="1600" b="1"/>
+            </a:lvl1pPr>
+          </a:lstStyle>
+          <a:p>
+            <a:fld id="{421F697C-9413-4F3B-8946-3AE66366D144}" type="datetime1">
+              <a:rPr lang="ja-JP" altLang="en-US" smtClean="0"/>
+              <a:pPr/>
+              <a:t>2024/12/5</a:t>
+            </a:fld>
+            <a:endParaRPr lang="ja-JP" altLang="en-US" dirty="0"/>
+          </a:p>
+        </p:txBody>
+      </p:sp>
+      <p:sp>
+        <p:nvSpPr>
+          <p:cNvPr id="5" name="フッター プレースホルダー 4">
+            <a:extLst>
+              <a:ext uri="{FF2B5EF4-FFF2-40B4-BE49-F238E27FC236}">
+                <a16:creationId xmlns:a16="http://schemas.microsoft.com/office/drawing/2014/main" id="{6ACCA7F1-727F-A1C5-284E-826DDF1CBBF8}"/>
+              </a:ext>
+            </a:extLst>
+          </p:cNvPr>
+          <p:cNvSpPr>
+            <a:spLocks noGrp="1"/>
+          </p:cNvSpPr>
+          <p:nvPr>
+            <p:ph type="ftr" sz="quarter" idx="11"/>
+          </p:nvPr>
+        </p:nvSpPr>
         <p:spPr/>
         <p:txBody>
           <a:bodyPr/>
           <a:lstStyle/>
           <a:p>
-            <a:fld id="{E56ECB4B-B719-4F2B-9D42-605D1D7C46D9}" type="datetimeFigureOut">
-              <a:rPr kumimoji="1" lang="ja-JP" altLang="en-US" smtClean="0"/>
-              <a:t>2024/12/1</a:t>
-            </a:fld>
             <a:endParaRPr kumimoji="1" lang="ja-JP" altLang="en-US"/>
           </a:p>
         </p:txBody>
       </p:sp>
       <p:sp>
         <p:nvSpPr>
-          <p:cNvPr id="5" name="フッター プレースホルダー 4">
-            <a:extLst>
-              <a:ext uri="{FF2B5EF4-FFF2-40B4-BE49-F238E27FC236}">
-                <a16:creationId xmlns:a16="http://schemas.microsoft.com/office/drawing/2014/main" id="{6ACCA7F1-727F-A1C5-284E-826DDF1CBBF8}"/>
-              </a:ext>
-            </a:extLst>
-          </p:cNvPr>
-          <p:cNvSpPr>
-            <a:spLocks noGrp="1"/>
-          </p:cNvSpPr>
-          <p:nvPr>
-            <p:ph type="ftr" sz="quarter" idx="11"/>
-          </p:nvPr>
-        </p:nvSpPr>
-        <p:spPr/>
+          <p:cNvPr id="6" name="スライド番号プレースホルダー 5">
+            <a:extLst>
+              <a:ext uri="{FF2B5EF4-FFF2-40B4-BE49-F238E27FC236}">
+                <a16:creationId xmlns:a16="http://schemas.microsoft.com/office/drawing/2014/main" id="{6156C98F-76AC-C6FA-2CD7-9D7DD5746C1B}"/>
+              </a:ext>
+            </a:extLst>
+          </p:cNvPr>
+          <p:cNvSpPr>
+            <a:spLocks noGrp="1"/>
+          </p:cNvSpPr>
+          <p:nvPr>
+            <p:ph type="sldNum" sz="quarter" idx="12"/>
+          </p:nvPr>
+        </p:nvSpPr>
+        <p:spPr>
+          <a:xfrm>
+            <a:off x="9257145" y="173036"/>
+            <a:ext cx="2743200" cy="365125"/>
+          </a:xfrm>
+        </p:spPr>
         <p:txBody>
           <a:bodyPr/>
-          <a:lstStyle/>
-          <a:p>
-            <a:endParaRPr kumimoji="1" lang="ja-JP" altLang="en-US"/>
-          </a:p>
-        </p:txBody>
-      </p:sp>
-      <p:sp>
-        <p:nvSpPr>
-          <p:cNvPr id="6" name="スライド番号プレースホルダー 5">
-            <a:extLst>
-              <a:ext uri="{FF2B5EF4-FFF2-40B4-BE49-F238E27FC236}">
-                <a16:creationId xmlns:a16="http://schemas.microsoft.com/office/drawing/2014/main" id="{6156C98F-76AC-C6FA-2CD7-9D7DD5746C1B}"/>
-              </a:ext>
-            </a:extLst>
-          </p:cNvPr>
-          <p:cNvSpPr>
-            <a:spLocks noGrp="1"/>
-          </p:cNvSpPr>
-          <p:nvPr>
-            <p:ph type="sldNum" sz="quarter" idx="12"/>
-          </p:nvPr>
-        </p:nvSpPr>
-        <p:spPr/>
-        <p:txBody>
-          <a:bodyPr/>
-          <a:lstStyle/>
+          <a:lstStyle>
+            <a:lvl1pPr>
+              <a:defRPr sz="1600" b="1"/>
+            </a:lvl1pPr>
+          </a:lstStyle>
           <a:p>
             <a:fld id="{2468938B-821B-4D83-A819-0FC7E7F9BD62}" type="slidenum">
-              <a:rPr kumimoji="1" lang="ja-JP" altLang="en-US" smtClean="0"/>
+              <a:rPr lang="ja-JP" altLang="en-US" smtClean="0"/>
+              <a:pPr/>
               <a:t>‹#›</a:t>
             </a:fld>
-            <a:endParaRPr kumimoji="1" lang="ja-JP" altLang="en-US"/>
+            <a:endParaRPr lang="ja-JP" altLang="en-US" dirty="0"/>
           </a:p>
         </p:txBody>
       </p:sp>
@@ -1240,9 +1649,9 @@
           <a:bodyPr/>
           <a:lstStyle/>
           <a:p>
-            <a:fld id="{E56ECB4B-B719-4F2B-9D42-605D1D7C46D9}" type="datetimeFigureOut">
+            <a:fld id="{8EC9C144-90CF-4BCA-B8C0-9FC88C52ABA2}" type="datetime1">
               <a:rPr kumimoji="1" lang="ja-JP" altLang="en-US" smtClean="0"/>
-              <a:t>2024/12/1</a:t>
+              <a:t>2024/12/5</a:t>
             </a:fld>
             <a:endParaRPr kumimoji="1" lang="ja-JP" altLang="en-US"/>
           </a:p>
@@ -1569,9 +1978,9 @@
           <a:bodyPr/>
           <a:lstStyle/>
           <a:p>
-            <a:fld id="{E56ECB4B-B719-4F2B-9D42-605D1D7C46D9}" type="datetimeFigureOut">
+            <a:fld id="{56B1C505-9827-4A1E-9070-A38394F37B35}" type="datetime1">
               <a:rPr kumimoji="1" lang="ja-JP" altLang="en-US" smtClean="0"/>
-              <a:t>2024/12/1</a:t>
+              <a:t>2024/12/5</a:t>
             </a:fld>
             <a:endParaRPr kumimoji="1" lang="ja-JP" altLang="en-US"/>
           </a:p>
@@ -2045,9 +2454,9 @@
           <a:bodyPr/>
           <a:lstStyle/>
           <a:p>
-            <a:fld id="{E56ECB4B-B719-4F2B-9D42-605D1D7C46D9}" type="datetimeFigureOut">
+            <a:fld id="{4CE3A17D-1620-4121-AE99-5517FAF78488}" type="datetime1">
               <a:rPr kumimoji="1" lang="ja-JP" altLang="en-US" smtClean="0"/>
-              <a:t>2024/12/1</a:t>
+              <a:t>2024/12/5</a:t>
             </a:fld>
             <a:endParaRPr kumimoji="1" lang="ja-JP" altLang="en-US"/>
           </a:p>
@@ -2186,9 +2595,9 @@
           <a:bodyPr/>
           <a:lstStyle/>
           <a:p>
-            <a:fld id="{E56ECB4B-B719-4F2B-9D42-605D1D7C46D9}" type="datetimeFigureOut">
+            <a:fld id="{9B6D0BEB-8B4F-408D-8942-4551E8B1B5AA}" type="datetime1">
               <a:rPr kumimoji="1" lang="ja-JP" altLang="en-US" smtClean="0"/>
-              <a:t>2024/12/1</a:t>
+              <a:t>2024/12/5</a:t>
             </a:fld>
             <a:endParaRPr kumimoji="1" lang="ja-JP" altLang="en-US"/>
           </a:p>
@@ -2299,9 +2708,9 @@
           <a:bodyPr/>
           <a:lstStyle/>
           <a:p>
-            <a:fld id="{E56ECB4B-B719-4F2B-9D42-605D1D7C46D9}" type="datetimeFigureOut">
+            <a:fld id="{77DA9736-FACD-4733-87DA-FE1B9BF0C1B6}" type="datetime1">
               <a:rPr kumimoji="1" lang="ja-JP" altLang="en-US" smtClean="0"/>
-              <a:t>2024/12/1</a:t>
+              <a:t>2024/12/5</a:t>
             </a:fld>
             <a:endParaRPr kumimoji="1" lang="ja-JP" altLang="en-US"/>
           </a:p>
@@ -2642,9 +3051,9 @@
           <a:bodyPr/>
           <a:lstStyle/>
           <a:p>
-            <a:fld id="{E56ECB4B-B719-4F2B-9D42-605D1D7C46D9}" type="datetimeFigureOut">
+            <a:fld id="{E095745D-EE64-403D-8DA8-6F9259F2B6E3}" type="datetime1">
               <a:rPr kumimoji="1" lang="ja-JP" altLang="en-US" smtClean="0"/>
-              <a:t>2024/12/1</a:t>
+              <a:t>2024/12/5</a:t>
             </a:fld>
             <a:endParaRPr kumimoji="1" lang="ja-JP" altLang="en-US"/>
           </a:p>
@@ -2930,9 +3339,9 @@
           <a:bodyPr/>
           <a:lstStyle/>
           <a:p>
-            <a:fld id="{E56ECB4B-B719-4F2B-9D42-605D1D7C46D9}" type="datetimeFigureOut">
+            <a:fld id="{A41BA36C-DE1C-4E24-BED6-05D64C8C05DD}" type="datetime1">
               <a:rPr kumimoji="1" lang="ja-JP" altLang="en-US" smtClean="0"/>
-              <a:t>2024/12/1</a:t>
+              <a:t>2024/12/5</a:t>
             </a:fld>
             <a:endParaRPr kumimoji="1" lang="ja-JP" altLang="en-US"/>
           </a:p>
@@ -3045,7 +3454,7 @@
         </p:nvSpPr>
         <p:spPr>
           <a:xfrm>
-            <a:off x="838200" y="365125"/>
+            <a:off x="0" y="18255"/>
             <a:ext cx="10515600" cy="1325563"/>
           </a:xfrm>
           <a:prstGeom prst="rect">
@@ -3083,8 +3492,8 @@
         </p:nvSpPr>
         <p:spPr>
           <a:xfrm>
-            <a:off x="838200" y="1825625"/>
-            <a:ext cx="10515600" cy="4351338"/>
+            <a:off x="0" y="1362073"/>
+            <a:ext cx="11353800" cy="4814890"/>
           </a:xfrm>
           <a:prstGeom prst="rect">
             <a:avLst/>
@@ -3098,67 +3507,67 @@
           <a:p>
             <a:pPr lvl="0"/>
             <a:r>
-              <a:rPr kumimoji="1" lang="ja-JP" altLang="en-US"/>
+              <a:rPr kumimoji="1" lang="ja-JP" altLang="en-US" dirty="0"/>
               <a:t>マスター テキストの書式設定</a:t>
             </a:r>
           </a:p>
           <a:p>
             <a:pPr lvl="1"/>
             <a:r>
-              <a:rPr kumimoji="1" lang="ja-JP" altLang="en-US"/>
+              <a:rPr kumimoji="1" lang="ja-JP" altLang="en-US" dirty="0"/>
               <a:t>第 </a:t>
             </a:r>
             <a:r>
-              <a:rPr kumimoji="1" lang="en-US" altLang="ja-JP"/>
+              <a:rPr kumimoji="1" lang="en-US" altLang="ja-JP" dirty="0"/>
               <a:t>2 </a:t>
             </a:r>
             <a:r>
-              <a:rPr kumimoji="1" lang="ja-JP" altLang="en-US"/>
+              <a:rPr kumimoji="1" lang="ja-JP" altLang="en-US" dirty="0"/>
               <a:t>レベル</a:t>
             </a:r>
           </a:p>
           <a:p>
             <a:pPr lvl="2"/>
             <a:r>
-              <a:rPr kumimoji="1" lang="ja-JP" altLang="en-US"/>
+              <a:rPr kumimoji="1" lang="ja-JP" altLang="en-US" dirty="0"/>
               <a:t>第 </a:t>
             </a:r>
             <a:r>
-              <a:rPr kumimoji="1" lang="en-US" altLang="ja-JP"/>
+              <a:rPr kumimoji="1" lang="en-US" altLang="ja-JP" dirty="0"/>
               <a:t>3 </a:t>
             </a:r>
             <a:r>
-              <a:rPr kumimoji="1" lang="ja-JP" altLang="en-US"/>
+              <a:rPr kumimoji="1" lang="ja-JP" altLang="en-US" dirty="0"/>
               <a:t>レベル</a:t>
             </a:r>
           </a:p>
           <a:p>
             <a:pPr lvl="3"/>
             <a:r>
-              <a:rPr kumimoji="1" lang="ja-JP" altLang="en-US"/>
+              <a:rPr kumimoji="1" lang="ja-JP" altLang="en-US" dirty="0"/>
               <a:t>第 </a:t>
             </a:r>
             <a:r>
-              <a:rPr kumimoji="1" lang="en-US" altLang="ja-JP"/>
+              <a:rPr kumimoji="1" lang="en-US" altLang="ja-JP" dirty="0"/>
               <a:t>4 </a:t>
             </a:r>
             <a:r>
-              <a:rPr kumimoji="1" lang="ja-JP" altLang="en-US"/>
+              <a:rPr kumimoji="1" lang="ja-JP" altLang="en-US" dirty="0"/>
               <a:t>レベル</a:t>
             </a:r>
           </a:p>
           <a:p>
             <a:pPr lvl="4"/>
             <a:r>
-              <a:rPr kumimoji="1" lang="ja-JP" altLang="en-US"/>
+              <a:rPr kumimoji="1" lang="ja-JP" altLang="en-US" dirty="0"/>
               <a:t>第 </a:t>
             </a:r>
             <a:r>
-              <a:rPr kumimoji="1" lang="en-US" altLang="ja-JP"/>
+              <a:rPr kumimoji="1" lang="en-US" altLang="ja-JP" dirty="0"/>
               <a:t>5 </a:t>
             </a:r>
             <a:r>
-              <a:rPr kumimoji="1" lang="ja-JP" altLang="en-US"/>
+              <a:rPr kumimoji="1" lang="ja-JP" altLang="en-US" dirty="0"/>
               <a:t>レベル</a:t>
             </a:r>
           </a:p>
@@ -3182,7 +3591,7 @@
         </p:nvSpPr>
         <p:spPr>
           <a:xfrm>
-            <a:off x="838200" y="6356350"/>
+            <a:off x="-113145" y="6492875"/>
             <a:ext cx="2743200" cy="365125"/>
           </a:xfrm>
           <a:prstGeom prst="rect">
@@ -3203,9 +3612,9 @@
             </a:lvl1pPr>
           </a:lstStyle>
           <a:p>
-            <a:fld id="{E56ECB4B-B719-4F2B-9D42-605D1D7C46D9}" type="datetimeFigureOut">
+            <a:fld id="{3B3DC84D-E2A3-4511-B6EF-73EBBF4B6592}" type="datetime1">
               <a:rPr kumimoji="1" lang="ja-JP" altLang="en-US" smtClean="0"/>
-              <a:t>2024/12/1</a:t>
+              <a:t>2024/12/5</a:t>
             </a:fld>
             <a:endParaRPr kumimoji="1" lang="ja-JP" altLang="en-US"/>
           </a:p>
@@ -3272,7 +3681,7 @@
         </p:nvSpPr>
         <p:spPr>
           <a:xfrm>
-            <a:off x="8610600" y="6356350"/>
+            <a:off x="9515763" y="0"/>
             <a:ext cx="2743200" cy="365125"/>
           </a:xfrm>
           <a:prstGeom prst="rect">
@@ -3322,6 +3731,7 @@
     <p:sldLayoutId id="2147483658" r:id="rId10"/>
     <p:sldLayoutId id="2147483659" r:id="rId11"/>
   </p:sldLayoutIdLst>
+  <p:hf hdr="0" ftr="0"/>
   <p:txStyles>
     <p:titleStyle>
       <a:lvl1pPr algn="l" defTabSz="914400" rtl="0" eaLnBrk="1" latinLnBrk="0" hangingPunct="1">
@@ -3743,6 +4153,64 @@
           </a:p>
         </p:txBody>
       </p:sp>
+      <p:sp>
+        <p:nvSpPr>
+          <p:cNvPr id="2" name="日付プレースホルダー 1">
+            <a:extLst>
+              <a:ext uri="{FF2B5EF4-FFF2-40B4-BE49-F238E27FC236}">
+                <a16:creationId xmlns:a16="http://schemas.microsoft.com/office/drawing/2014/main" id="{2F8C22CD-0550-41E9-FB5B-0DED2CCF6E8F}"/>
+              </a:ext>
+            </a:extLst>
+          </p:cNvPr>
+          <p:cNvSpPr>
+            <a:spLocks noGrp="1"/>
+          </p:cNvSpPr>
+          <p:nvPr>
+            <p:ph type="dt" sz="half" idx="10"/>
+          </p:nvPr>
+        </p:nvSpPr>
+        <p:spPr/>
+        <p:txBody>
+          <a:bodyPr/>
+          <a:lstStyle/>
+          <a:p>
+            <a:fld id="{33362D81-4261-4F2B-A02E-5D4D12CFD797}" type="datetime1">
+              <a:rPr kumimoji="1" lang="ja-JP" altLang="en-US" smtClean="0"/>
+              <a:t>2024/12/5</a:t>
+            </a:fld>
+            <a:endParaRPr kumimoji="1" lang="ja-JP" altLang="en-US"/>
+          </a:p>
+        </p:txBody>
+      </p:sp>
+      <p:sp>
+        <p:nvSpPr>
+          <p:cNvPr id="3" name="スライド番号プレースホルダー 2">
+            <a:extLst>
+              <a:ext uri="{FF2B5EF4-FFF2-40B4-BE49-F238E27FC236}">
+                <a16:creationId xmlns:a16="http://schemas.microsoft.com/office/drawing/2014/main" id="{C080B142-869E-CF84-E977-C927FA0C1E61}"/>
+              </a:ext>
+            </a:extLst>
+          </p:cNvPr>
+          <p:cNvSpPr>
+            <a:spLocks noGrp="1"/>
+          </p:cNvSpPr>
+          <p:nvPr>
+            <p:ph type="sldNum" sz="quarter" idx="12"/>
+          </p:nvPr>
+        </p:nvSpPr>
+        <p:spPr/>
+        <p:txBody>
+          <a:bodyPr/>
+          <a:lstStyle/>
+          <a:p>
+            <a:fld id="{2468938B-821B-4D83-A819-0FC7E7F9BD62}" type="slidenum">
+              <a:rPr kumimoji="1" lang="ja-JP" altLang="en-US" smtClean="0"/>
+              <a:t>1</a:t>
+            </a:fld>
+            <a:endParaRPr kumimoji="1" lang="ja-JP" altLang="en-US"/>
+          </a:p>
+        </p:txBody>
+      </p:sp>
     </p:spTree>
     <p:extLst>
       <p:ext uri="{BB962C8B-B14F-4D97-AF65-F5344CB8AC3E}">
@@ -4065,6 +4533,64 @@
           </a:p>
         </p:txBody>
       </p:sp>
+      <p:sp>
+        <p:nvSpPr>
+          <p:cNvPr id="2" name="日付プレースホルダー 1">
+            <a:extLst>
+              <a:ext uri="{FF2B5EF4-FFF2-40B4-BE49-F238E27FC236}">
+                <a16:creationId xmlns:a16="http://schemas.microsoft.com/office/drawing/2014/main" id="{93BEF7C6-FBD8-7829-611F-FA20BBBEC43D}"/>
+              </a:ext>
+            </a:extLst>
+          </p:cNvPr>
+          <p:cNvSpPr>
+            <a:spLocks noGrp="1"/>
+          </p:cNvSpPr>
+          <p:nvPr>
+            <p:ph type="dt" sz="half" idx="10"/>
+          </p:nvPr>
+        </p:nvSpPr>
+        <p:spPr/>
+        <p:txBody>
+          <a:bodyPr/>
+          <a:lstStyle/>
+          <a:p>
+            <a:fld id="{806F24A1-885D-4254-B1CA-13C6C4517430}" type="datetime1">
+              <a:rPr kumimoji="1" lang="ja-JP" altLang="en-US" smtClean="0"/>
+              <a:t>2024/12/5</a:t>
+            </a:fld>
+            <a:endParaRPr kumimoji="1" lang="ja-JP" altLang="en-US"/>
+          </a:p>
+        </p:txBody>
+      </p:sp>
+      <p:sp>
+        <p:nvSpPr>
+          <p:cNvPr id="3" name="スライド番号プレースホルダー 2">
+            <a:extLst>
+              <a:ext uri="{FF2B5EF4-FFF2-40B4-BE49-F238E27FC236}">
+                <a16:creationId xmlns:a16="http://schemas.microsoft.com/office/drawing/2014/main" id="{BA9A32EF-E5F3-6ACE-DE02-8F8DF9B6CA57}"/>
+              </a:ext>
+            </a:extLst>
+          </p:cNvPr>
+          <p:cNvSpPr>
+            <a:spLocks noGrp="1"/>
+          </p:cNvSpPr>
+          <p:nvPr>
+            <p:ph type="sldNum" sz="quarter" idx="12"/>
+          </p:nvPr>
+        </p:nvSpPr>
+        <p:spPr/>
+        <p:txBody>
+          <a:bodyPr/>
+          <a:lstStyle/>
+          <a:p>
+            <a:fld id="{2468938B-821B-4D83-A819-0FC7E7F9BD62}" type="slidenum">
+              <a:rPr kumimoji="1" lang="ja-JP" altLang="en-US" smtClean="0"/>
+              <a:t>2</a:t>
+            </a:fld>
+            <a:endParaRPr kumimoji="1" lang="ja-JP" altLang="en-US"/>
+          </a:p>
+        </p:txBody>
+      </p:sp>
     </p:spTree>
     <p:extLst>
       <p:ext uri="{BB962C8B-B14F-4D97-AF65-F5344CB8AC3E}">
@@ -4856,6 +5382,64 @@
           </a:p>
         </p:txBody>
       </p:sp>
+      <p:sp>
+        <p:nvSpPr>
+          <p:cNvPr id="2" name="日付プレースホルダー 1">
+            <a:extLst>
+              <a:ext uri="{FF2B5EF4-FFF2-40B4-BE49-F238E27FC236}">
+                <a16:creationId xmlns:a16="http://schemas.microsoft.com/office/drawing/2014/main" id="{116709BC-0185-3A2F-86FA-C4C38B9A12E3}"/>
+              </a:ext>
+            </a:extLst>
+          </p:cNvPr>
+          <p:cNvSpPr>
+            <a:spLocks noGrp="1"/>
+          </p:cNvSpPr>
+          <p:nvPr>
+            <p:ph type="dt" sz="half" idx="10"/>
+          </p:nvPr>
+        </p:nvSpPr>
+        <p:spPr/>
+        <p:txBody>
+          <a:bodyPr/>
+          <a:lstStyle/>
+          <a:p>
+            <a:fld id="{7DA7EA30-012D-4ABE-A7C1-4A32701F4AC1}" type="datetime1">
+              <a:rPr kumimoji="1" lang="ja-JP" altLang="en-US" smtClean="0"/>
+              <a:t>2024/12/5</a:t>
+            </a:fld>
+            <a:endParaRPr kumimoji="1" lang="ja-JP" altLang="en-US"/>
+          </a:p>
+        </p:txBody>
+      </p:sp>
+      <p:sp>
+        <p:nvSpPr>
+          <p:cNvPr id="3" name="スライド番号プレースホルダー 2">
+            <a:extLst>
+              <a:ext uri="{FF2B5EF4-FFF2-40B4-BE49-F238E27FC236}">
+                <a16:creationId xmlns:a16="http://schemas.microsoft.com/office/drawing/2014/main" id="{89E07D2B-39DD-A737-16E0-00FBA6068541}"/>
+              </a:ext>
+            </a:extLst>
+          </p:cNvPr>
+          <p:cNvSpPr>
+            <a:spLocks noGrp="1"/>
+          </p:cNvSpPr>
+          <p:nvPr>
+            <p:ph type="sldNum" sz="quarter" idx="12"/>
+          </p:nvPr>
+        </p:nvSpPr>
+        <p:spPr/>
+        <p:txBody>
+          <a:bodyPr/>
+          <a:lstStyle/>
+          <a:p>
+            <a:fld id="{2468938B-821B-4D83-A819-0FC7E7F9BD62}" type="slidenum">
+              <a:rPr kumimoji="1" lang="ja-JP" altLang="en-US" smtClean="0"/>
+              <a:t>3</a:t>
+            </a:fld>
+            <a:endParaRPr kumimoji="1" lang="ja-JP" altLang="en-US"/>
+          </a:p>
+        </p:txBody>
+      </p:sp>
     </p:spTree>
     <p:extLst>
       <p:ext uri="{BB962C8B-B14F-4D97-AF65-F5344CB8AC3E}">
@@ -5014,6 +5598,64 @@
           </a:p>
         </p:txBody>
       </p:sp>
+      <p:sp>
+        <p:nvSpPr>
+          <p:cNvPr id="2" name="日付プレースホルダー 1">
+            <a:extLst>
+              <a:ext uri="{FF2B5EF4-FFF2-40B4-BE49-F238E27FC236}">
+                <a16:creationId xmlns:a16="http://schemas.microsoft.com/office/drawing/2014/main" id="{0B5818F4-0EE0-72DA-46E1-54EC048FDB5A}"/>
+              </a:ext>
+            </a:extLst>
+          </p:cNvPr>
+          <p:cNvSpPr>
+            <a:spLocks noGrp="1"/>
+          </p:cNvSpPr>
+          <p:nvPr>
+            <p:ph type="dt" sz="half" idx="10"/>
+          </p:nvPr>
+        </p:nvSpPr>
+        <p:spPr/>
+        <p:txBody>
+          <a:bodyPr/>
+          <a:lstStyle/>
+          <a:p>
+            <a:fld id="{1855F267-ECA0-4999-AB79-DEA0458427A9}" type="datetime1">
+              <a:rPr kumimoji="1" lang="ja-JP" altLang="en-US" smtClean="0"/>
+              <a:t>2024/12/5</a:t>
+            </a:fld>
+            <a:endParaRPr kumimoji="1" lang="ja-JP" altLang="en-US"/>
+          </a:p>
+        </p:txBody>
+      </p:sp>
+      <p:sp>
+        <p:nvSpPr>
+          <p:cNvPr id="3" name="スライド番号プレースホルダー 2">
+            <a:extLst>
+              <a:ext uri="{FF2B5EF4-FFF2-40B4-BE49-F238E27FC236}">
+                <a16:creationId xmlns:a16="http://schemas.microsoft.com/office/drawing/2014/main" id="{A5F3A7B3-6C16-9B45-0D13-794F9E2725C4}"/>
+              </a:ext>
+            </a:extLst>
+          </p:cNvPr>
+          <p:cNvSpPr>
+            <a:spLocks noGrp="1"/>
+          </p:cNvSpPr>
+          <p:nvPr>
+            <p:ph type="sldNum" sz="quarter" idx="12"/>
+          </p:nvPr>
+        </p:nvSpPr>
+        <p:spPr/>
+        <p:txBody>
+          <a:bodyPr/>
+          <a:lstStyle/>
+          <a:p>
+            <a:fld id="{2468938B-821B-4D83-A819-0FC7E7F9BD62}" type="slidenum">
+              <a:rPr kumimoji="1" lang="ja-JP" altLang="en-US" smtClean="0"/>
+              <a:t>4</a:t>
+            </a:fld>
+            <a:endParaRPr kumimoji="1" lang="ja-JP" altLang="en-US"/>
+          </a:p>
+        </p:txBody>
+      </p:sp>
     </p:spTree>
     <p:extLst>
       <p:ext uri="{BB962C8B-B14F-4D97-AF65-F5344CB8AC3E}">
@@ -5543,6 +6185,64 @@
               <a:t>)</a:t>
             </a:r>
             <a:endParaRPr kumimoji="1" lang="ja-JP" altLang="en-US" sz="3600" b="1" dirty="0"/>
+          </a:p>
+        </p:txBody>
+      </p:sp>
+      <p:sp>
+        <p:nvSpPr>
+          <p:cNvPr id="2" name="日付プレースホルダー 1">
+            <a:extLst>
+              <a:ext uri="{FF2B5EF4-FFF2-40B4-BE49-F238E27FC236}">
+                <a16:creationId xmlns:a16="http://schemas.microsoft.com/office/drawing/2014/main" id="{64B045D5-C789-AE3F-81B8-C5924392DB53}"/>
+              </a:ext>
+            </a:extLst>
+          </p:cNvPr>
+          <p:cNvSpPr>
+            <a:spLocks noGrp="1"/>
+          </p:cNvSpPr>
+          <p:nvPr>
+            <p:ph type="dt" sz="half" idx="10"/>
+          </p:nvPr>
+        </p:nvSpPr>
+        <p:spPr/>
+        <p:txBody>
+          <a:bodyPr/>
+          <a:lstStyle/>
+          <a:p>
+            <a:fld id="{53A73E6B-E786-4195-9946-B443CCE4F34A}" type="datetime1">
+              <a:rPr kumimoji="1" lang="ja-JP" altLang="en-US" smtClean="0"/>
+              <a:t>2024/12/5</a:t>
+            </a:fld>
+            <a:endParaRPr kumimoji="1" lang="ja-JP" altLang="en-US"/>
+          </a:p>
+        </p:txBody>
+      </p:sp>
+      <p:sp>
+        <p:nvSpPr>
+          <p:cNvPr id="3" name="スライド番号プレースホルダー 2">
+            <a:extLst>
+              <a:ext uri="{FF2B5EF4-FFF2-40B4-BE49-F238E27FC236}">
+                <a16:creationId xmlns:a16="http://schemas.microsoft.com/office/drawing/2014/main" id="{3E81BF1A-9AE2-21E7-1D16-13AC33AE86E7}"/>
+              </a:ext>
+            </a:extLst>
+          </p:cNvPr>
+          <p:cNvSpPr>
+            <a:spLocks noGrp="1"/>
+          </p:cNvSpPr>
+          <p:nvPr>
+            <p:ph type="sldNum" sz="quarter" idx="12"/>
+          </p:nvPr>
+        </p:nvSpPr>
+        <p:spPr/>
+        <p:txBody>
+          <a:bodyPr/>
+          <a:lstStyle/>
+          <a:p>
+            <a:fld id="{2468938B-821B-4D83-A819-0FC7E7F9BD62}" type="slidenum">
+              <a:rPr kumimoji="1" lang="ja-JP" altLang="en-US" smtClean="0"/>
+              <a:t>5</a:t>
+            </a:fld>
+            <a:endParaRPr kumimoji="1" lang="ja-JP" altLang="en-US"/>
           </a:p>
         </p:txBody>
       </p:sp>
@@ -5780,6 +6480,64 @@
           </a:p>
         </p:txBody>
       </p:sp>
+      <p:sp>
+        <p:nvSpPr>
+          <p:cNvPr id="2" name="日付プレースホルダー 1">
+            <a:extLst>
+              <a:ext uri="{FF2B5EF4-FFF2-40B4-BE49-F238E27FC236}">
+                <a16:creationId xmlns:a16="http://schemas.microsoft.com/office/drawing/2014/main" id="{3593D948-602E-9534-7D2C-3F718EC5FFD0}"/>
+              </a:ext>
+            </a:extLst>
+          </p:cNvPr>
+          <p:cNvSpPr>
+            <a:spLocks noGrp="1"/>
+          </p:cNvSpPr>
+          <p:nvPr>
+            <p:ph type="dt" sz="half" idx="10"/>
+          </p:nvPr>
+        </p:nvSpPr>
+        <p:spPr/>
+        <p:txBody>
+          <a:bodyPr/>
+          <a:lstStyle/>
+          <a:p>
+            <a:fld id="{FB6B0075-FC67-49D0-B1E1-480340A51E92}" type="datetime1">
+              <a:rPr kumimoji="1" lang="ja-JP" altLang="en-US" smtClean="0"/>
+              <a:t>2024/12/5</a:t>
+            </a:fld>
+            <a:endParaRPr kumimoji="1" lang="ja-JP" altLang="en-US"/>
+          </a:p>
+        </p:txBody>
+      </p:sp>
+      <p:sp>
+        <p:nvSpPr>
+          <p:cNvPr id="6" name="スライド番号プレースホルダー 5">
+            <a:extLst>
+              <a:ext uri="{FF2B5EF4-FFF2-40B4-BE49-F238E27FC236}">
+                <a16:creationId xmlns:a16="http://schemas.microsoft.com/office/drawing/2014/main" id="{4A2BE23E-D22A-53D9-B0E7-975A1AD0CAB7}"/>
+              </a:ext>
+            </a:extLst>
+          </p:cNvPr>
+          <p:cNvSpPr>
+            <a:spLocks noGrp="1"/>
+          </p:cNvSpPr>
+          <p:nvPr>
+            <p:ph type="sldNum" sz="quarter" idx="12"/>
+          </p:nvPr>
+        </p:nvSpPr>
+        <p:spPr/>
+        <p:txBody>
+          <a:bodyPr/>
+          <a:lstStyle/>
+          <a:p>
+            <a:fld id="{2468938B-821B-4D83-A819-0FC7E7F9BD62}" type="slidenum">
+              <a:rPr kumimoji="1" lang="ja-JP" altLang="en-US" smtClean="0"/>
+              <a:t>6</a:t>
+            </a:fld>
+            <a:endParaRPr kumimoji="1" lang="ja-JP" altLang="en-US"/>
+          </a:p>
+        </p:txBody>
+      </p:sp>
     </p:spTree>
     <p:extLst>
       <p:ext uri="{BB962C8B-B14F-4D97-AF65-F5344CB8AC3E}">
@@ -5952,8 +6710,8 @@
         </p:nvSpPr>
         <p:spPr>
           <a:xfrm>
-            <a:off x="5277356" y="2037712"/>
-            <a:ext cx="6110748" cy="2031325"/>
+            <a:off x="5464169" y="1664086"/>
+            <a:ext cx="6110748" cy="3970318"/>
           </a:xfrm>
           <a:prstGeom prst="rect">
             <a:avLst/>
@@ -6017,6 +6775,37 @@
             </a:r>
           </a:p>
           <a:p>
+            <a:r>
+              <a:rPr lang="ja-JP" altLang="en-US" sz="1800" b="1" dirty="0"/>
+              <a:t>の情報のみ。</a:t>
+            </a:r>
+            <a:endParaRPr lang="en-US" altLang="ja-JP" sz="1800" b="1" dirty="0"/>
+          </a:p>
+          <a:p>
+            <a:endParaRPr lang="en-US" altLang="ja-JP" sz="1800" b="1" dirty="0"/>
+          </a:p>
+          <a:p>
+            <a:r>
+              <a:rPr lang="en-US" altLang="ja-JP" b="1" dirty="0"/>
+              <a:t>STL</a:t>
+            </a:r>
+            <a:r>
+              <a:rPr lang="ja-JP" altLang="en-US" b="1" dirty="0"/>
+              <a:t>データでは、表面点群や三角形パッチに</a:t>
+            </a:r>
+            <a:endParaRPr lang="en-US" altLang="ja-JP" b="1" dirty="0"/>
+          </a:p>
+          <a:p>
+            <a:r>
+              <a:rPr lang="ja-JP" altLang="en-US" b="1" dirty="0"/>
+              <a:t>インデックスは割り当てられていない。</a:t>
+            </a:r>
+            <a:endParaRPr lang="en-US" altLang="ja-JP" b="1" dirty="0"/>
+          </a:p>
+          <a:p>
+            <a:endParaRPr lang="en-US" altLang="ja-JP" b="1" dirty="0"/>
+          </a:p>
+          <a:p>
             <a:endParaRPr lang="en-US" altLang="ja-JP" sz="1800" b="1" dirty="0"/>
           </a:p>
           <a:p>
@@ -6047,7 +6836,70 @@
               <a:rPr kumimoji="1" lang="en-US" altLang="ja-JP" sz="1800" b="1" dirty="0"/>
               <a:t>)</a:t>
             </a:r>
+          </a:p>
+          <a:p>
+            <a:endParaRPr lang="en-US" altLang="ja-JP" b="1" dirty="0"/>
+          </a:p>
+          <a:p>
             <a:endParaRPr kumimoji="1" lang="ja-JP" altLang="en-US" sz="1800" b="1" dirty="0"/>
+          </a:p>
+        </p:txBody>
+      </p:sp>
+      <p:sp>
+        <p:nvSpPr>
+          <p:cNvPr id="2" name="日付プレースホルダー 1">
+            <a:extLst>
+              <a:ext uri="{FF2B5EF4-FFF2-40B4-BE49-F238E27FC236}">
+                <a16:creationId xmlns:a16="http://schemas.microsoft.com/office/drawing/2014/main" id="{E51DD5BF-7037-A07D-DC55-9D0935A22942}"/>
+              </a:ext>
+            </a:extLst>
+          </p:cNvPr>
+          <p:cNvSpPr>
+            <a:spLocks noGrp="1"/>
+          </p:cNvSpPr>
+          <p:nvPr>
+            <p:ph type="dt" sz="half" idx="10"/>
+          </p:nvPr>
+        </p:nvSpPr>
+        <p:spPr/>
+        <p:txBody>
+          <a:bodyPr/>
+          <a:lstStyle/>
+          <a:p>
+            <a:fld id="{9B6CD98A-11CA-440F-9340-902D6947660C}" type="datetime1">
+              <a:rPr kumimoji="1" lang="ja-JP" altLang="en-US" smtClean="0"/>
+              <a:t>2024/12/5</a:t>
+            </a:fld>
+            <a:endParaRPr kumimoji="1" lang="ja-JP" altLang="en-US"/>
+          </a:p>
+        </p:txBody>
+      </p:sp>
+      <p:sp>
+        <p:nvSpPr>
+          <p:cNvPr id="3" name="スライド番号プレースホルダー 2">
+            <a:extLst>
+              <a:ext uri="{FF2B5EF4-FFF2-40B4-BE49-F238E27FC236}">
+                <a16:creationId xmlns:a16="http://schemas.microsoft.com/office/drawing/2014/main" id="{3E16B2E1-8EE9-9F12-E4C5-FCA1B33BD67C}"/>
+              </a:ext>
+            </a:extLst>
+          </p:cNvPr>
+          <p:cNvSpPr>
+            <a:spLocks noGrp="1"/>
+          </p:cNvSpPr>
+          <p:nvPr>
+            <p:ph type="sldNum" sz="quarter" idx="12"/>
+          </p:nvPr>
+        </p:nvSpPr>
+        <p:spPr/>
+        <p:txBody>
+          <a:bodyPr/>
+          <a:lstStyle/>
+          <a:p>
+            <a:fld id="{2468938B-821B-4D83-A819-0FC7E7F9BD62}" type="slidenum">
+              <a:rPr kumimoji="1" lang="ja-JP" altLang="en-US" smtClean="0"/>
+              <a:t>7</a:t>
+            </a:fld>
+            <a:endParaRPr kumimoji="1" lang="ja-JP" altLang="en-US"/>
           </a:p>
         </p:txBody>
       </p:sp>
@@ -6081,6 +6933,64 @@
           <a:chExt cx="0" cy="0"/>
         </a:xfrm>
       </p:grpSpPr>
+      <p:sp>
+        <p:nvSpPr>
+          <p:cNvPr id="2" name="日付プレースホルダー 1">
+            <a:extLst>
+              <a:ext uri="{FF2B5EF4-FFF2-40B4-BE49-F238E27FC236}">
+                <a16:creationId xmlns:a16="http://schemas.microsoft.com/office/drawing/2014/main" id="{6D6FFF25-96EF-F959-6BD8-1AAA30B3600C}"/>
+              </a:ext>
+            </a:extLst>
+          </p:cNvPr>
+          <p:cNvSpPr>
+            <a:spLocks noGrp="1"/>
+          </p:cNvSpPr>
+          <p:nvPr>
+            <p:ph type="dt" sz="half" idx="10"/>
+          </p:nvPr>
+        </p:nvSpPr>
+        <p:spPr/>
+        <p:txBody>
+          <a:bodyPr/>
+          <a:lstStyle/>
+          <a:p>
+            <a:fld id="{ACE87817-F6BB-4CC2-83A7-53A0CCD3484F}" type="datetime1">
+              <a:rPr kumimoji="1" lang="ja-JP" altLang="en-US" smtClean="0"/>
+              <a:t>2024/12/5</a:t>
+            </a:fld>
+            <a:endParaRPr kumimoji="1" lang="ja-JP" altLang="en-US"/>
+          </a:p>
+        </p:txBody>
+      </p:sp>
+      <p:sp>
+        <p:nvSpPr>
+          <p:cNvPr id="3" name="スライド番号プレースホルダー 2">
+            <a:extLst>
+              <a:ext uri="{FF2B5EF4-FFF2-40B4-BE49-F238E27FC236}">
+                <a16:creationId xmlns:a16="http://schemas.microsoft.com/office/drawing/2014/main" id="{5E762B53-DF1B-CC70-1577-6A7DD436731B}"/>
+              </a:ext>
+            </a:extLst>
+          </p:cNvPr>
+          <p:cNvSpPr>
+            <a:spLocks noGrp="1"/>
+          </p:cNvSpPr>
+          <p:nvPr>
+            <p:ph type="sldNum" sz="quarter" idx="12"/>
+          </p:nvPr>
+        </p:nvSpPr>
+        <p:spPr/>
+        <p:txBody>
+          <a:bodyPr/>
+          <a:lstStyle/>
+          <a:p>
+            <a:fld id="{2468938B-821B-4D83-A819-0FC7E7F9BD62}" type="slidenum">
+              <a:rPr kumimoji="1" lang="ja-JP" altLang="en-US" smtClean="0"/>
+              <a:t>8</a:t>
+            </a:fld>
+            <a:endParaRPr kumimoji="1" lang="ja-JP" altLang="en-US"/>
+          </a:p>
+        </p:txBody>
+      </p:sp>
     </p:spTree>
     <p:extLst>
       <p:ext uri="{BB962C8B-B14F-4D97-AF65-F5344CB8AC3E}">
@@ -6113,52 +7023,181 @@
       </p:grpSpPr>
       <p:sp>
         <p:nvSpPr>
-          <p:cNvPr id="4" name="テキスト ボックス 3">
-            <a:extLst>
-              <a:ext uri="{FF2B5EF4-FFF2-40B4-BE49-F238E27FC236}">
-                <a16:creationId xmlns:a16="http://schemas.microsoft.com/office/drawing/2014/main" id="{376EE1F0-A5F3-D32E-770F-663C08F9E02B}"/>
-              </a:ext>
-            </a:extLst>
-          </p:cNvPr>
-          <p:cNvSpPr txBox="1"/>
-          <p:nvPr/>
+          <p:cNvPr id="2" name="タイトル 1">
+            <a:extLst>
+              <a:ext uri="{FF2B5EF4-FFF2-40B4-BE49-F238E27FC236}">
+                <a16:creationId xmlns:a16="http://schemas.microsoft.com/office/drawing/2014/main" id="{B8AF657E-994C-9B5F-F21B-D65ACD477322}"/>
+              </a:ext>
+            </a:extLst>
+          </p:cNvPr>
+          <p:cNvSpPr>
+            <a:spLocks noGrp="1"/>
+          </p:cNvSpPr>
+          <p:nvPr>
+            <p:ph type="title"/>
+          </p:nvPr>
+        </p:nvSpPr>
+        <p:spPr/>
+        <p:txBody>
+          <a:bodyPr/>
+          <a:lstStyle/>
+          <a:p>
+            <a:r>
+              <a:rPr kumimoji="1" lang="en-US" altLang="ja-JP" dirty="0"/>
+              <a:t>(*.</a:t>
+            </a:r>
+            <a:r>
+              <a:rPr kumimoji="1" lang="en-US" altLang="ja-JP" dirty="0" err="1"/>
+              <a:t>vtk</a:t>
+            </a:r>
+            <a:r>
+              <a:rPr kumimoji="1" lang="en-US" altLang="ja-JP" dirty="0"/>
+              <a:t>)</a:t>
+            </a:r>
+            <a:endParaRPr kumimoji="1" lang="ja-JP" altLang="en-US" dirty="0"/>
+          </a:p>
+        </p:txBody>
+      </p:sp>
+      <p:sp>
+        <p:nvSpPr>
+          <p:cNvPr id="3" name="コンテンツ プレースホルダー 2">
+            <a:extLst>
+              <a:ext uri="{FF2B5EF4-FFF2-40B4-BE49-F238E27FC236}">
+                <a16:creationId xmlns:a16="http://schemas.microsoft.com/office/drawing/2014/main" id="{57A63DBD-CF52-2EF7-7C2F-980BC045C388}"/>
+              </a:ext>
+            </a:extLst>
+          </p:cNvPr>
+          <p:cNvSpPr>
+            <a:spLocks noGrp="1"/>
+          </p:cNvSpPr>
+          <p:nvPr>
+            <p:ph idx="1"/>
+          </p:nvPr>
         </p:nvSpPr>
         <p:spPr>
           <a:xfrm>
-            <a:off x="0" y="117988"/>
-            <a:ext cx="1603324" cy="646331"/>
+            <a:off x="0" y="1145763"/>
+            <a:ext cx="11353800" cy="4814890"/>
           </a:xfrm>
-          <a:prstGeom prst="rect">
-            <a:avLst/>
-          </a:prstGeom>
-          <a:noFill/>
         </p:spPr>
         <p:txBody>
-          <a:bodyPr wrap="none" rtlCol="0">
-            <a:spAutoFit/>
-          </a:bodyPr>
-          <a:lstStyle/>
-          <a:p>
-            <a:r>
-              <a:rPr kumimoji="1" lang="en-US" altLang="ja-JP" sz="3600" b="1" dirty="0"/>
+          <a:bodyPr/>
+          <a:lstStyle/>
+          <a:p>
+            <a:r>
+              <a:rPr kumimoji="1" lang="en-US" altLang="ja-JP" dirty="0"/>
+              <a:t>VTK (The visualization toolkit) </a:t>
+            </a:r>
+            <a:r>
+              <a:rPr kumimoji="1" lang="ja-JP" altLang="en-US" dirty="0"/>
+              <a:t>は</a:t>
+            </a:r>
+            <a:r>
+              <a:rPr lang="ja-JP" altLang="en-US" dirty="0"/>
+              <a:t>科学的なデータの可視化および解析を行うためのソフトウェアライブラリで、</a:t>
+            </a:r>
+            <a:r>
+              <a:rPr lang="en-US" altLang="ja-JP" dirty="0"/>
+              <a:t>3D</a:t>
+            </a:r>
+            <a:r>
+              <a:rPr lang="ja-JP" altLang="en-US" dirty="0"/>
+              <a:t>グラフィックス、画像処理、可視化アルゴリズムなどを提供している。</a:t>
+            </a:r>
+            <a:endParaRPr lang="en-US" altLang="ja-JP" dirty="0"/>
+          </a:p>
+          <a:p>
+            <a:r>
+              <a:rPr kumimoji="1" lang="en-US" altLang="ja-JP" dirty="0"/>
               <a:t>(*.</a:t>
             </a:r>
             <a:r>
-              <a:rPr kumimoji="1" lang="en-US" altLang="ja-JP" sz="3600" b="1" dirty="0" err="1"/>
+              <a:rPr kumimoji="1" lang="en-US" altLang="ja-JP" dirty="0" err="1"/>
               <a:t>vtk</a:t>
             </a:r>
             <a:r>
-              <a:rPr kumimoji="1" lang="en-US" altLang="ja-JP" sz="3600" b="1" dirty="0"/>
+              <a:rPr kumimoji="1" lang="en-US" altLang="ja-JP" dirty="0"/>
               <a:t>)</a:t>
             </a:r>
-            <a:endParaRPr kumimoji="1" lang="ja-JP" altLang="en-US" sz="3600" b="1" dirty="0"/>
+            <a:r>
+              <a:rPr kumimoji="1" lang="ja-JP" altLang="en-US" dirty="0"/>
+              <a:t>は、</a:t>
+            </a:r>
+            <a:r>
+              <a:rPr kumimoji="1" lang="en-US" altLang="ja-JP" dirty="0"/>
+              <a:t>VTK</a:t>
+            </a:r>
+            <a:r>
+              <a:rPr kumimoji="1" lang="ja-JP" altLang="en-US" dirty="0"/>
+              <a:t>ライブラリによって使用されるファイル形式の拡張子。</a:t>
+            </a:r>
+          </a:p>
+        </p:txBody>
+      </p:sp>
+      <p:sp>
+        <p:nvSpPr>
+          <p:cNvPr id="4" name="日付プレースホルダー 3">
+            <a:extLst>
+              <a:ext uri="{FF2B5EF4-FFF2-40B4-BE49-F238E27FC236}">
+                <a16:creationId xmlns:a16="http://schemas.microsoft.com/office/drawing/2014/main" id="{A7B2400C-F519-E1D6-F7E1-A17C16B4A691}"/>
+              </a:ext>
+            </a:extLst>
+          </p:cNvPr>
+          <p:cNvSpPr>
+            <a:spLocks noGrp="1"/>
+          </p:cNvSpPr>
+          <p:nvPr>
+            <p:ph type="dt" sz="half" idx="10"/>
+          </p:nvPr>
+        </p:nvSpPr>
+        <p:spPr/>
+        <p:txBody>
+          <a:bodyPr/>
+          <a:lstStyle/>
+          <a:p>
+            <a:fld id="{421F697C-9413-4F3B-8946-3AE66366D144}" type="datetime1">
+              <a:rPr lang="ja-JP" altLang="en-US" smtClean="0"/>
+              <a:pPr/>
+              <a:t>2024/12/5</a:t>
+            </a:fld>
+            <a:endParaRPr lang="ja-JP" altLang="en-US" dirty="0"/>
+          </a:p>
+        </p:txBody>
+      </p:sp>
+      <p:sp>
+        <p:nvSpPr>
+          <p:cNvPr id="5" name="スライド番号プレースホルダー 4">
+            <a:extLst>
+              <a:ext uri="{FF2B5EF4-FFF2-40B4-BE49-F238E27FC236}">
+                <a16:creationId xmlns:a16="http://schemas.microsoft.com/office/drawing/2014/main" id="{D881BD5F-9E4E-7830-5560-5AD400B3D5AE}"/>
+              </a:ext>
+            </a:extLst>
+          </p:cNvPr>
+          <p:cNvSpPr>
+            <a:spLocks noGrp="1"/>
+          </p:cNvSpPr>
+          <p:nvPr>
+            <p:ph type="sldNum" sz="quarter" idx="12"/>
+          </p:nvPr>
+        </p:nvSpPr>
+        <p:spPr/>
+        <p:txBody>
+          <a:bodyPr/>
+          <a:lstStyle/>
+          <a:p>
+            <a:fld id="{2468938B-821B-4D83-A819-0FC7E7F9BD62}" type="slidenum">
+              <a:rPr lang="ja-JP" altLang="en-US" smtClean="0"/>
+              <a:pPr/>
+              <a:t>9</a:t>
+            </a:fld>
+            <a:endParaRPr lang="ja-JP" altLang="en-US" dirty="0"/>
           </a:p>
         </p:txBody>
       </p:sp>
     </p:spTree>
     <p:extLst>
       <p:ext uri="{BB962C8B-B14F-4D97-AF65-F5344CB8AC3E}">
-        <p14:creationId xmlns:p14="http://schemas.microsoft.com/office/powerpoint/2010/main" val="4039814736"/>
+        <p14:creationId xmlns:p14="http://schemas.microsoft.com/office/powerpoint/2010/main" val="1156196413"/>
       </p:ext>
     </p:extLst>
   </p:cSld>
@@ -6169,6 +7208,287 @@
 </file>
 
 <file path=ppt/theme/theme1.xml><?xml version="1.0" encoding="utf-8"?>
+<a:theme xmlns:a="http://schemas.openxmlformats.org/drawingml/2006/main" name="Office テーマ">
+  <a:themeElements>
+    <a:clrScheme name="Office">
+      <a:dk1>
+        <a:sysClr val="windowText" lastClr="000000"/>
+      </a:dk1>
+      <a:lt1>
+        <a:sysClr val="window" lastClr="FFFFFF"/>
+      </a:lt1>
+      <a:dk2>
+        <a:srgbClr val="0E2841"/>
+      </a:dk2>
+      <a:lt2>
+        <a:srgbClr val="E8E8E8"/>
+      </a:lt2>
+      <a:accent1>
+        <a:srgbClr val="156082"/>
+      </a:accent1>
+      <a:accent2>
+        <a:srgbClr val="E97132"/>
+      </a:accent2>
+      <a:accent3>
+        <a:srgbClr val="196B24"/>
+      </a:accent3>
+      <a:accent4>
+        <a:srgbClr val="0F9ED5"/>
+      </a:accent4>
+      <a:accent5>
+        <a:srgbClr val="A02B93"/>
+      </a:accent5>
+      <a:accent6>
+        <a:srgbClr val="4EA72E"/>
+      </a:accent6>
+      <a:hlink>
+        <a:srgbClr val="467886"/>
+      </a:hlink>
+      <a:folHlink>
+        <a:srgbClr val="96607D"/>
+      </a:folHlink>
+    </a:clrScheme>
+    <a:fontScheme name="Office 2007 - 2010">
+      <a:majorFont>
+        <a:latin typeface="Calibri"/>
+        <a:ea typeface=""/>
+        <a:cs typeface=""/>
+        <a:font script="Jpan" typeface="ＭＳ Ｐゴシック"/>
+        <a:font script="Hang" typeface="맑은 고딕"/>
+        <a:font script="Hans" typeface="宋体"/>
+        <a:font script="Hant" typeface="新細明體"/>
+        <a:font script="Arab" typeface="Times New Roman"/>
+        <a:font script="Hebr" typeface="Times New Roman"/>
+        <a:font script="Thai" typeface="Angsana New"/>
+        <a:font script="Ethi" typeface="Nyala"/>
+        <a:font script="Beng" typeface="Vrinda"/>
+        <a:font script="Gujr" typeface="Shruti"/>
+        <a:font script="Khmr" typeface="MoolBoran"/>
+        <a:font script="Knda" typeface="Tunga"/>
+        <a:font script="Guru" typeface="Raavi"/>
+        <a:font script="Cans" typeface="Euphemia"/>
+        <a:font script="Cher" typeface="Plantagenet Cherokee"/>
+        <a:font script="Yiii" typeface="Microsoft Yi Baiti"/>
+        <a:font script="Tibt" typeface="Microsoft Himalaya"/>
+        <a:font script="Thaa" typeface="MV Boli"/>
+        <a:font script="Deva" typeface="Mangal"/>
+        <a:font script="Telu" typeface="Gautami"/>
+        <a:font script="Taml" typeface="Latha"/>
+        <a:font script="Syrc" typeface="Estrangelo Edessa"/>
+        <a:font script="Orya" typeface="Kalinga"/>
+        <a:font script="Mlym" typeface="Kartika"/>
+        <a:font script="Laoo" typeface="DokChampa"/>
+        <a:font script="Sinh" typeface="Iskoola Pota"/>
+        <a:font script="Mong" typeface="Mongolian Baiti"/>
+        <a:font script="Viet" typeface="Times New Roman"/>
+        <a:font script="Uigh" typeface="Microsoft Uighur"/>
+        <a:font script="Geor" typeface="Sylfaen"/>
+      </a:majorFont>
+      <a:minorFont>
+        <a:latin typeface="Calibri"/>
+        <a:ea typeface=""/>
+        <a:cs typeface=""/>
+        <a:font script="Jpan" typeface="ＭＳ Ｐゴシック"/>
+        <a:font script="Hang" typeface="맑은 고딕"/>
+        <a:font script="Hans" typeface="宋体"/>
+        <a:font script="Hant" typeface="新細明體"/>
+        <a:font script="Arab" typeface="Arial"/>
+        <a:font script="Hebr" typeface="Arial"/>
+        <a:font script="Thai" typeface="Cordia New"/>
+        <a:font script="Ethi" typeface="Nyala"/>
+        <a:font script="Beng" typeface="Vrinda"/>
+        <a:font script="Gujr" typeface="Shruti"/>
+        <a:font script="Khmr" typeface="DaunPenh"/>
+        <a:font script="Knda" typeface="Tunga"/>
+        <a:font script="Guru" typeface="Raavi"/>
+        <a:font script="Cans" typeface="Euphemia"/>
+        <a:font script="Cher" typeface="Plantagenet Cherokee"/>
+        <a:font script="Yiii" typeface="Microsoft Yi Baiti"/>
+        <a:font script="Tibt" typeface="Microsoft Himalaya"/>
+        <a:font script="Thaa" typeface="MV Boli"/>
+        <a:font script="Deva" typeface="Mangal"/>
+        <a:font script="Telu" typeface="Gautami"/>
+        <a:font script="Taml" typeface="Latha"/>
+        <a:font script="Syrc" typeface="Estrangelo Edessa"/>
+        <a:font script="Orya" typeface="Kalinga"/>
+        <a:font script="Mlym" typeface="Kartika"/>
+        <a:font script="Laoo" typeface="DokChampa"/>
+        <a:font script="Sinh" typeface="Iskoola Pota"/>
+        <a:font script="Mong" typeface="Mongolian Baiti"/>
+        <a:font script="Viet" typeface="Arial"/>
+        <a:font script="Uigh" typeface="Microsoft Uighur"/>
+        <a:font script="Geor" typeface="Sylfaen"/>
+      </a:minorFont>
+    </a:fontScheme>
+    <a:fmtScheme name="Office">
+      <a:fillStyleLst>
+        <a:solidFill>
+          <a:schemeClr val="phClr"/>
+        </a:solidFill>
+        <a:gradFill rotWithShape="1">
+          <a:gsLst>
+            <a:gs pos="0">
+              <a:schemeClr val="phClr">
+                <a:lumMod val="110000"/>
+                <a:satMod val="105000"/>
+                <a:tint val="67000"/>
+              </a:schemeClr>
+            </a:gs>
+            <a:gs pos="50000">
+              <a:schemeClr val="phClr">
+                <a:lumMod val="105000"/>
+                <a:satMod val="103000"/>
+                <a:tint val="73000"/>
+              </a:schemeClr>
+            </a:gs>
+            <a:gs pos="100000">
+              <a:schemeClr val="phClr">
+                <a:lumMod val="105000"/>
+                <a:satMod val="109000"/>
+                <a:tint val="81000"/>
+              </a:schemeClr>
+            </a:gs>
+          </a:gsLst>
+          <a:lin ang="5400000" scaled="0"/>
+        </a:gradFill>
+        <a:gradFill rotWithShape="1">
+          <a:gsLst>
+            <a:gs pos="0">
+              <a:schemeClr val="phClr">
+                <a:satMod val="103000"/>
+                <a:lumMod val="102000"/>
+                <a:tint val="94000"/>
+              </a:schemeClr>
+            </a:gs>
+            <a:gs pos="50000">
+              <a:schemeClr val="phClr">
+                <a:satMod val="110000"/>
+                <a:lumMod val="100000"/>
+                <a:shade val="100000"/>
+              </a:schemeClr>
+            </a:gs>
+            <a:gs pos="100000">
+              <a:schemeClr val="phClr">
+                <a:lumMod val="99000"/>
+                <a:satMod val="120000"/>
+                <a:shade val="78000"/>
+              </a:schemeClr>
+            </a:gs>
+          </a:gsLst>
+          <a:lin ang="5400000" scaled="0"/>
+        </a:gradFill>
+      </a:fillStyleLst>
+      <a:lnStyleLst>
+        <a:ln w="12700" cap="flat" cmpd="sng" algn="ctr">
+          <a:solidFill>
+            <a:schemeClr val="phClr"/>
+          </a:solidFill>
+          <a:prstDash val="solid"/>
+          <a:miter lim="800000"/>
+        </a:ln>
+        <a:ln w="19050" cap="flat" cmpd="sng" algn="ctr">
+          <a:solidFill>
+            <a:schemeClr val="phClr"/>
+          </a:solidFill>
+          <a:prstDash val="solid"/>
+          <a:miter lim="800000"/>
+        </a:ln>
+        <a:ln w="25400" cap="flat" cmpd="sng" algn="ctr">
+          <a:solidFill>
+            <a:schemeClr val="phClr"/>
+          </a:solidFill>
+          <a:prstDash val="solid"/>
+          <a:miter lim="800000"/>
+        </a:ln>
+      </a:lnStyleLst>
+      <a:effectStyleLst>
+        <a:effectStyle>
+          <a:effectLst/>
+        </a:effectStyle>
+        <a:effectStyle>
+          <a:effectLst/>
+        </a:effectStyle>
+        <a:effectStyle>
+          <a:effectLst>
+            <a:outerShdw blurRad="57150" dist="19050" dir="5400000" algn="ctr" rotWithShape="0">
+              <a:srgbClr val="000000">
+                <a:alpha val="63000"/>
+              </a:srgbClr>
+            </a:outerShdw>
+          </a:effectLst>
+        </a:effectStyle>
+      </a:effectStyleLst>
+      <a:bgFillStyleLst>
+        <a:solidFill>
+          <a:schemeClr val="phClr"/>
+        </a:solidFill>
+        <a:solidFill>
+          <a:schemeClr val="phClr">
+            <a:tint val="95000"/>
+            <a:satMod val="170000"/>
+          </a:schemeClr>
+        </a:solidFill>
+        <a:gradFill rotWithShape="1">
+          <a:gsLst>
+            <a:gs pos="0">
+              <a:schemeClr val="phClr">
+                <a:tint val="93000"/>
+                <a:satMod val="150000"/>
+                <a:shade val="98000"/>
+                <a:lumMod val="102000"/>
+              </a:schemeClr>
+            </a:gs>
+            <a:gs pos="50000">
+              <a:schemeClr val="phClr">
+                <a:tint val="98000"/>
+                <a:satMod val="130000"/>
+                <a:shade val="90000"/>
+                <a:lumMod val="103000"/>
+              </a:schemeClr>
+            </a:gs>
+            <a:gs pos="100000">
+              <a:schemeClr val="phClr">
+                <a:shade val="63000"/>
+                <a:satMod val="120000"/>
+              </a:schemeClr>
+            </a:gs>
+          </a:gsLst>
+          <a:lin ang="5400000" scaled="0"/>
+        </a:gradFill>
+      </a:bgFillStyleLst>
+    </a:fmtScheme>
+  </a:themeElements>
+  <a:objectDefaults>
+    <a:lnDef>
+      <a:spPr/>
+      <a:bodyPr/>
+      <a:lstStyle/>
+      <a:style>
+        <a:lnRef idx="2">
+          <a:schemeClr val="accent1"/>
+        </a:lnRef>
+        <a:fillRef idx="0">
+          <a:schemeClr val="accent1"/>
+        </a:fillRef>
+        <a:effectRef idx="1">
+          <a:schemeClr val="accent1"/>
+        </a:effectRef>
+        <a:fontRef idx="minor">
+          <a:schemeClr val="tx1"/>
+        </a:fontRef>
+      </a:style>
+    </a:lnDef>
+  </a:objectDefaults>
+  <a:extraClrSchemeLst/>
+  <a:extLst>
+    <a:ext uri="{05A4C25C-085E-4340-85A3-A5531E510DB2}">
+      <thm15:themeFamily xmlns:thm15="http://schemas.microsoft.com/office/thememl/2012/main" name="Office Theme" id="{2E142A2C-CD16-42D6-873A-C26D2A0506FA}" vid="{1BDDFF52-6CD6-40A5-AB3C-68EB2F1E4D0A}"/>
+    </a:ext>
+  </a:extLst>
+</a:theme>
+</file>
+
+<file path=ppt/theme/theme2.xml><?xml version="1.0" encoding="utf-8"?>
 <a:theme xmlns:a="http://schemas.openxmlformats.org/drawingml/2006/main" name="Office テーマ">
   <a:themeElements>
     <a:clrScheme name="Office">

--- a/fileFormat.pptx
+++ b/fileFormat.pptx
@@ -205,7 +205,7 @@
           <a:p>
             <a:fld id="{EC463B3F-55A9-4C64-B642-26A58BB17889}" type="datetimeFigureOut">
               <a:rPr kumimoji="1" lang="ja-JP" altLang="en-US" smtClean="0"/>
-              <a:t>2024/12/5</a:t>
+              <a:t>2024/12/10</a:t>
             </a:fld>
             <a:endParaRPr kumimoji="1" lang="ja-JP" altLang="en-US"/>
           </a:p>
@@ -651,7 +651,7 @@
           <a:p>
             <a:fld id="{FD303846-BBED-49D9-8D05-3E9E8DDE7CBA}" type="datetime1">
               <a:rPr kumimoji="1" lang="ja-JP" altLang="en-US" smtClean="0"/>
-              <a:t>2024/12/5</a:t>
+              <a:t>2024/12/10</a:t>
             </a:fld>
             <a:endParaRPr kumimoji="1" lang="ja-JP" altLang="en-US"/>
           </a:p>
@@ -886,7 +886,7 @@
           <a:p>
             <a:fld id="{72D61A81-F7EC-4C2B-8152-89BBFC4508BA}" type="datetime1">
               <a:rPr kumimoji="1" lang="ja-JP" altLang="en-US" smtClean="0"/>
-              <a:t>2024/12/5</a:t>
+              <a:t>2024/12/10</a:t>
             </a:fld>
             <a:endParaRPr kumimoji="1" lang="ja-JP" altLang="en-US"/>
           </a:p>
@@ -1126,7 +1126,7 @@
           <a:p>
             <a:fld id="{DDDAD9A8-680C-4DE3-9583-7E6299D48239}" type="datetime1">
               <a:rPr kumimoji="1" lang="ja-JP" altLang="en-US" smtClean="0"/>
-              <a:t>2024/12/5</a:t>
+              <a:t>2024/12/10</a:t>
             </a:fld>
             <a:endParaRPr kumimoji="1" lang="ja-JP" altLang="en-US"/>
           </a:p>
@@ -1366,7 +1366,7 @@
             <a:fld id="{421F697C-9413-4F3B-8946-3AE66366D144}" type="datetime1">
               <a:rPr lang="ja-JP" altLang="en-US" smtClean="0"/>
               <a:pPr/>
-              <a:t>2024/12/5</a:t>
+              <a:t>2024/12/10</a:t>
             </a:fld>
             <a:endParaRPr lang="ja-JP" altLang="en-US" dirty="0"/>
           </a:p>
@@ -1651,7 +1651,7 @@
           <a:p>
             <a:fld id="{8EC9C144-90CF-4BCA-B8C0-9FC88C52ABA2}" type="datetime1">
               <a:rPr kumimoji="1" lang="ja-JP" altLang="en-US" smtClean="0"/>
-              <a:t>2024/12/5</a:t>
+              <a:t>2024/12/10</a:t>
             </a:fld>
             <a:endParaRPr kumimoji="1" lang="ja-JP" altLang="en-US"/>
           </a:p>
@@ -1980,7 +1980,7 @@
           <a:p>
             <a:fld id="{56B1C505-9827-4A1E-9070-A38394F37B35}" type="datetime1">
               <a:rPr kumimoji="1" lang="ja-JP" altLang="en-US" smtClean="0"/>
-              <a:t>2024/12/5</a:t>
+              <a:t>2024/12/10</a:t>
             </a:fld>
             <a:endParaRPr kumimoji="1" lang="ja-JP" altLang="en-US"/>
           </a:p>
@@ -2456,7 +2456,7 @@
           <a:p>
             <a:fld id="{4CE3A17D-1620-4121-AE99-5517FAF78488}" type="datetime1">
               <a:rPr kumimoji="1" lang="ja-JP" altLang="en-US" smtClean="0"/>
-              <a:t>2024/12/5</a:t>
+              <a:t>2024/12/10</a:t>
             </a:fld>
             <a:endParaRPr kumimoji="1" lang="ja-JP" altLang="en-US"/>
           </a:p>
@@ -2597,7 +2597,7 @@
           <a:p>
             <a:fld id="{9B6D0BEB-8B4F-408D-8942-4551E8B1B5AA}" type="datetime1">
               <a:rPr kumimoji="1" lang="ja-JP" altLang="en-US" smtClean="0"/>
-              <a:t>2024/12/5</a:t>
+              <a:t>2024/12/10</a:t>
             </a:fld>
             <a:endParaRPr kumimoji="1" lang="ja-JP" altLang="en-US"/>
           </a:p>
@@ -2710,7 +2710,7 @@
           <a:p>
             <a:fld id="{77DA9736-FACD-4733-87DA-FE1B9BF0C1B6}" type="datetime1">
               <a:rPr kumimoji="1" lang="ja-JP" altLang="en-US" smtClean="0"/>
-              <a:t>2024/12/5</a:t>
+              <a:t>2024/12/10</a:t>
             </a:fld>
             <a:endParaRPr kumimoji="1" lang="ja-JP" altLang="en-US"/>
           </a:p>
@@ -3053,7 +3053,7 @@
           <a:p>
             <a:fld id="{E095745D-EE64-403D-8DA8-6F9259F2B6E3}" type="datetime1">
               <a:rPr kumimoji="1" lang="ja-JP" altLang="en-US" smtClean="0"/>
-              <a:t>2024/12/5</a:t>
+              <a:t>2024/12/10</a:t>
             </a:fld>
             <a:endParaRPr kumimoji="1" lang="ja-JP" altLang="en-US"/>
           </a:p>
@@ -3341,7 +3341,7 @@
           <a:p>
             <a:fld id="{A41BA36C-DE1C-4E24-BED6-05D64C8C05DD}" type="datetime1">
               <a:rPr kumimoji="1" lang="ja-JP" altLang="en-US" smtClean="0"/>
-              <a:t>2024/12/5</a:t>
+              <a:t>2024/12/10</a:t>
             </a:fld>
             <a:endParaRPr kumimoji="1" lang="ja-JP" altLang="en-US"/>
           </a:p>
@@ -3614,7 +3614,7 @@
           <a:p>
             <a:fld id="{3B3DC84D-E2A3-4511-B6EF-73EBBF4B6592}" type="datetime1">
               <a:rPr kumimoji="1" lang="ja-JP" altLang="en-US" smtClean="0"/>
-              <a:t>2024/12/5</a:t>
+              <a:t>2024/12/10</a:t>
             </a:fld>
             <a:endParaRPr kumimoji="1" lang="ja-JP" altLang="en-US"/>
           </a:p>
@@ -4176,7 +4176,7 @@
           <a:p>
             <a:fld id="{33362D81-4261-4F2B-A02E-5D4D12CFD797}" type="datetime1">
               <a:rPr kumimoji="1" lang="ja-JP" altLang="en-US" smtClean="0"/>
-              <a:t>2024/12/5</a:t>
+              <a:t>2024/12/10</a:t>
             </a:fld>
             <a:endParaRPr kumimoji="1" lang="ja-JP" altLang="en-US"/>
           </a:p>
@@ -4556,7 +4556,7 @@
           <a:p>
             <a:fld id="{806F24A1-885D-4254-B1CA-13C6C4517430}" type="datetime1">
               <a:rPr kumimoji="1" lang="ja-JP" altLang="en-US" smtClean="0"/>
-              <a:t>2024/12/5</a:t>
+              <a:t>2024/12/10</a:t>
             </a:fld>
             <a:endParaRPr kumimoji="1" lang="ja-JP" altLang="en-US"/>
           </a:p>
@@ -5405,7 +5405,7 @@
           <a:p>
             <a:fld id="{7DA7EA30-012D-4ABE-A7C1-4A32701F4AC1}" type="datetime1">
               <a:rPr kumimoji="1" lang="ja-JP" altLang="en-US" smtClean="0"/>
-              <a:t>2024/12/5</a:t>
+              <a:t>2024/12/10</a:t>
             </a:fld>
             <a:endParaRPr kumimoji="1" lang="ja-JP" altLang="en-US"/>
           </a:p>
@@ -5484,8 +5484,8 @@
         </p:nvSpPr>
         <p:spPr>
           <a:xfrm>
-            <a:off x="108463" y="764319"/>
-            <a:ext cx="5987537" cy="3477875"/>
+            <a:off x="108463" y="921635"/>
+            <a:ext cx="10103535" cy="4339650"/>
           </a:xfrm>
           <a:prstGeom prst="rect">
             <a:avLst/>
@@ -5499,25 +5499,98 @@
           <a:lstStyle/>
           <a:p>
             <a:r>
-              <a:rPr kumimoji="1" lang="ja-JP" altLang="en-US" sz="2000" b="1" dirty="0"/>
-              <a:t>テキストエディタで開くとこんな感じ</a:t>
-            </a:r>
-            <a:r>
-              <a:rPr kumimoji="1" lang="en-US" altLang="ja-JP" sz="2000" b="1" dirty="0"/>
-              <a:t>(</a:t>
-            </a:r>
-            <a:r>
-              <a:rPr kumimoji="1" lang="en-US" altLang="ja-JP" sz="2000" b="1" dirty="0" err="1"/>
+              <a:rPr kumimoji="1" lang="en-US" altLang="ja-JP" sz="2400" b="1" dirty="0" err="1"/>
               <a:t>Gmsh</a:t>
             </a:r>
             <a:r>
-              <a:rPr kumimoji="1" lang="ja-JP" altLang="en-US" sz="2000" b="1" dirty="0"/>
-              <a:t>形式</a:t>
-            </a:r>
-            <a:r>
-              <a:rPr kumimoji="1" lang="en-US" altLang="ja-JP" sz="2000" b="1" dirty="0"/>
+              <a:rPr kumimoji="1" lang="ja-JP" altLang="en-US" sz="2400" b="1" dirty="0"/>
+              <a:t>形式のメッシュファイル</a:t>
+            </a:r>
+            <a:r>
+              <a:rPr kumimoji="1" lang="en-US" altLang="ja-JP" sz="2400" b="1" dirty="0"/>
+              <a:t>(*.</a:t>
+            </a:r>
+            <a:r>
+              <a:rPr kumimoji="1" lang="en-US" altLang="ja-JP" sz="2400" b="1" dirty="0" err="1"/>
+              <a:t>msh</a:t>
+            </a:r>
+            <a:r>
+              <a:rPr kumimoji="1" lang="en-US" altLang="ja-JP" sz="2400" b="1" dirty="0"/>
               <a:t>)</a:t>
             </a:r>
+            <a:r>
+              <a:rPr kumimoji="1" lang="ja-JP" altLang="en-US" sz="2400" b="1" dirty="0"/>
+              <a:t>に</a:t>
+            </a:r>
+            <a:r>
+              <a:rPr lang="ja-JP" altLang="en-US" sz="2400" b="1" dirty="0"/>
+              <a:t>コメントを付けたものを</a:t>
+            </a:r>
+            <a:r>
+              <a:rPr lang="en-US" altLang="ja-JP" sz="2400" b="1" dirty="0"/>
+              <a:t>asset</a:t>
+            </a:r>
+            <a:r>
+              <a:rPr lang="ja-JP" altLang="en-US" sz="2400" b="1" dirty="0"/>
+              <a:t>に入れた。</a:t>
+            </a:r>
+            <a:endParaRPr lang="en-US" altLang="ja-JP" sz="2400" b="1" dirty="0"/>
+          </a:p>
+          <a:p>
+            <a:r>
+              <a:rPr kumimoji="1" lang="ja-JP" altLang="en-US" sz="2400" b="1" dirty="0"/>
+              <a:t>テキストエディタで開いてみると、メッシュ分割された形状の情報 </a:t>
+            </a:r>
+            <a:endParaRPr kumimoji="1" lang="en-US" altLang="ja-JP" sz="2400" b="1" dirty="0"/>
+          </a:p>
+          <a:p>
+            <a:r>
+              <a:rPr kumimoji="1" lang="en-US" altLang="ja-JP" sz="2400" b="1" dirty="0"/>
+              <a:t>(Node</a:t>
+            </a:r>
+            <a:r>
+              <a:rPr kumimoji="1" lang="ja-JP" altLang="en-US" sz="2400" b="1" dirty="0"/>
+              <a:t>情報</a:t>
+            </a:r>
+            <a:r>
+              <a:rPr kumimoji="1" lang="en-US" altLang="ja-JP" sz="2400" b="1" dirty="0"/>
+              <a:t>, Cell</a:t>
+            </a:r>
+            <a:r>
+              <a:rPr kumimoji="1" lang="ja-JP" altLang="en-US" sz="2400" b="1" dirty="0"/>
+              <a:t>情報</a:t>
+            </a:r>
+            <a:r>
+              <a:rPr kumimoji="1" lang="en-US" altLang="ja-JP" sz="2400" b="1" dirty="0"/>
+              <a:t>, Mesh</a:t>
+            </a:r>
+            <a:r>
+              <a:rPr kumimoji="1" lang="ja-JP" altLang="en-US" sz="2400" b="1" dirty="0"/>
+              <a:t>情報</a:t>
+            </a:r>
+            <a:r>
+              <a:rPr kumimoji="1" lang="en-US" altLang="ja-JP" sz="2400" b="1" dirty="0"/>
+              <a:t>, </a:t>
+            </a:r>
+            <a:r>
+              <a:rPr lang="ja-JP" altLang="en-US" sz="2400" b="1" dirty="0"/>
+              <a:t>壁、流入面、流出面</a:t>
+            </a:r>
+            <a:r>
+              <a:rPr lang="en-US" altLang="ja-JP" sz="2400" b="1" dirty="0"/>
+              <a:t>…</a:t>
+            </a:r>
+            <a:r>
+              <a:rPr kumimoji="1" lang="en-US" altLang="ja-JP" sz="2400" b="1" dirty="0"/>
+              <a:t>)</a:t>
+            </a:r>
+          </a:p>
+          <a:p>
+            <a:r>
+              <a:rPr lang="ja-JP" altLang="en-US" sz="2400" b="1" dirty="0"/>
+              <a:t>が書かれていることが分かる。</a:t>
+            </a:r>
+            <a:endParaRPr kumimoji="1" lang="en-US" altLang="ja-JP" sz="2400" b="1" dirty="0"/>
           </a:p>
           <a:p>
             <a:endParaRPr lang="en-US" altLang="ja-JP" sz="2000" b="1" dirty="0"/>
@@ -5545,12 +5618,6 @@
           </a:p>
           <a:p>
             <a:endParaRPr lang="en-US" altLang="ja-JP" sz="2000" b="1" dirty="0"/>
-          </a:p>
-          <a:p>
-            <a:r>
-              <a:rPr kumimoji="1" lang="ja-JP" altLang="en-US" sz="2000" b="1" dirty="0"/>
-              <a:t>中身の説明</a:t>
-            </a:r>
           </a:p>
         </p:txBody>
       </p:sp>
@@ -5621,7 +5688,7 @@
           <a:p>
             <a:fld id="{1855F267-ECA0-4999-AB79-DEA0458427A9}" type="datetime1">
               <a:rPr kumimoji="1" lang="ja-JP" altLang="en-US" smtClean="0"/>
-              <a:t>2024/12/5</a:t>
+              <a:t>2024/12/10</a:t>
             </a:fld>
             <a:endParaRPr kumimoji="1" lang="ja-JP" altLang="en-US"/>
           </a:p>
@@ -6211,7 +6278,7 @@
           <a:p>
             <a:fld id="{53A73E6B-E786-4195-9946-B443CCE4F34A}" type="datetime1">
               <a:rPr kumimoji="1" lang="ja-JP" altLang="en-US" smtClean="0"/>
-              <a:t>2024/12/5</a:t>
+              <a:t>2024/12/10</a:t>
             </a:fld>
             <a:endParaRPr kumimoji="1" lang="ja-JP" altLang="en-US"/>
           </a:p>
@@ -6503,7 +6570,7 @@
           <a:p>
             <a:fld id="{FB6B0075-FC67-49D0-B1E1-480340A51E92}" type="datetime1">
               <a:rPr kumimoji="1" lang="ja-JP" altLang="en-US" smtClean="0"/>
-              <a:t>2024/12/5</a:t>
+              <a:t>2024/12/10</a:t>
             </a:fld>
             <a:endParaRPr kumimoji="1" lang="ja-JP" altLang="en-US"/>
           </a:p>
@@ -6868,7 +6935,7 @@
           <a:p>
             <a:fld id="{9B6CD98A-11CA-440F-9340-902D6947660C}" type="datetime1">
               <a:rPr kumimoji="1" lang="ja-JP" altLang="en-US" smtClean="0"/>
-              <a:t>2024/12/5</a:t>
+              <a:t>2024/12/10</a:t>
             </a:fld>
             <a:endParaRPr kumimoji="1" lang="ja-JP" altLang="en-US"/>
           </a:p>
@@ -6956,7 +7023,7 @@
           <a:p>
             <a:fld id="{ACE87817-F6BB-4CC2-83A7-53A0CCD3484F}" type="datetime1">
               <a:rPr kumimoji="1" lang="ja-JP" altLang="en-US" smtClean="0"/>
-              <a:t>2024/12/5</a:t>
+              <a:t>2024/12/10</a:t>
             </a:fld>
             <a:endParaRPr kumimoji="1" lang="ja-JP" altLang="en-US"/>
           </a:p>
@@ -7158,7 +7225,7 @@
             <a:fld id="{421F697C-9413-4F3B-8946-3AE66366D144}" type="datetime1">
               <a:rPr lang="ja-JP" altLang="en-US" smtClean="0"/>
               <a:pPr/>
-              <a:t>2024/12/5</a:t>
+              <a:t>2024/12/10</a:t>
             </a:fld>
             <a:endParaRPr lang="ja-JP" altLang="en-US" dirty="0"/>
           </a:p>
